--- a/src/pe_reports/data/shell/pe_shell.pptx
+++ b/src/pe_reports/data/shell/pe_shell.pptx
@@ -218,7 +218,7 @@
           <a:p>
             <a:fld id="{3D63F852-D29B-475A-987D-330F2996515A}" type="datetimeFigureOut">
               <a:rPr lang="en-US" smtClean="0"/>
-              <a:t>4/27/21</a:t>
+              <a:t>7/6/21</a:t>
             </a:fld>
             <a:endParaRPr lang="en-US"/>
           </a:p>
@@ -803,7 +803,7 @@
           <a:p>
             <a:fld id="{2F16BA02-E562-46EA-80F8-1A59A76F600F}" type="datetimeFigureOut">
               <a:rPr lang="en-US" smtClean="0"/>
-              <a:t>4/27/21</a:t>
+              <a:t>7/6/21</a:t>
             </a:fld>
             <a:endParaRPr lang="en-US"/>
           </a:p>
@@ -1001,7 +1001,7 @@
           <a:p>
             <a:fld id="{2F16BA02-E562-46EA-80F8-1A59A76F600F}" type="datetimeFigureOut">
               <a:rPr lang="en-US" smtClean="0"/>
-              <a:t>4/27/21</a:t>
+              <a:t>7/6/21</a:t>
             </a:fld>
             <a:endParaRPr lang="en-US"/>
           </a:p>
@@ -1209,7 +1209,7 @@
           <a:p>
             <a:fld id="{2F16BA02-E562-46EA-80F8-1A59A76F600F}" type="datetimeFigureOut">
               <a:rPr lang="en-US" smtClean="0"/>
-              <a:t>4/27/21</a:t>
+              <a:t>7/6/21</a:t>
             </a:fld>
             <a:endParaRPr lang="en-US"/>
           </a:p>
@@ -1407,7 +1407,7 @@
           <a:p>
             <a:fld id="{2F16BA02-E562-46EA-80F8-1A59A76F600F}" type="datetimeFigureOut">
               <a:rPr lang="en-US" smtClean="0"/>
-              <a:t>4/27/21</a:t>
+              <a:t>7/6/21</a:t>
             </a:fld>
             <a:endParaRPr lang="en-US"/>
           </a:p>
@@ -1682,7 +1682,7 @@
           <a:p>
             <a:fld id="{2F16BA02-E562-46EA-80F8-1A59A76F600F}" type="datetimeFigureOut">
               <a:rPr lang="en-US" smtClean="0"/>
-              <a:t>4/27/21</a:t>
+              <a:t>7/6/21</a:t>
             </a:fld>
             <a:endParaRPr lang="en-US"/>
           </a:p>
@@ -1947,7 +1947,7 @@
           <a:p>
             <a:fld id="{2F16BA02-E562-46EA-80F8-1A59A76F600F}" type="datetimeFigureOut">
               <a:rPr lang="en-US" smtClean="0"/>
-              <a:t>4/27/21</a:t>
+              <a:t>7/6/21</a:t>
             </a:fld>
             <a:endParaRPr lang="en-US"/>
           </a:p>
@@ -2359,7 +2359,7 @@
           <a:p>
             <a:fld id="{2F16BA02-E562-46EA-80F8-1A59A76F600F}" type="datetimeFigureOut">
               <a:rPr lang="en-US" smtClean="0"/>
-              <a:t>4/27/21</a:t>
+              <a:t>7/6/21</a:t>
             </a:fld>
             <a:endParaRPr lang="en-US"/>
           </a:p>
@@ -2500,7 +2500,7 @@
           <a:p>
             <a:fld id="{2F16BA02-E562-46EA-80F8-1A59A76F600F}" type="datetimeFigureOut">
               <a:rPr lang="en-US" smtClean="0"/>
-              <a:t>4/27/21</a:t>
+              <a:t>7/6/21</a:t>
             </a:fld>
             <a:endParaRPr lang="en-US"/>
           </a:p>
@@ -2613,7 +2613,7 @@
           <a:p>
             <a:fld id="{2F16BA02-E562-46EA-80F8-1A59A76F600F}" type="datetimeFigureOut">
               <a:rPr lang="en-US" smtClean="0"/>
-              <a:t>4/27/21</a:t>
+              <a:t>7/6/21</a:t>
             </a:fld>
             <a:endParaRPr lang="en-US"/>
           </a:p>
@@ -2924,7 +2924,7 @@
           <a:p>
             <a:fld id="{2F16BA02-E562-46EA-80F8-1A59A76F600F}" type="datetimeFigureOut">
               <a:rPr lang="en-US" smtClean="0"/>
-              <a:t>4/27/21</a:t>
+              <a:t>7/6/21</a:t>
             </a:fld>
             <a:endParaRPr lang="en-US"/>
           </a:p>
@@ -3212,7 +3212,7 @@
           <a:p>
             <a:fld id="{2F16BA02-E562-46EA-80F8-1A59A76F600F}" type="datetimeFigureOut">
               <a:rPr lang="en-US" smtClean="0"/>
-              <a:t>4/27/21</a:t>
+              <a:t>7/6/21</a:t>
             </a:fld>
             <a:endParaRPr lang="en-US"/>
           </a:p>
@@ -3453,7 +3453,7 @@
           <a:p>
             <a:fld id="{2F16BA02-E562-46EA-80F8-1A59A76F600F}" type="datetimeFigureOut">
               <a:rPr lang="en-US" smtClean="0"/>
-              <a:t>4/27/21</a:t>
+              <a:t>7/6/21</a:t>
             </a:fld>
             <a:endParaRPr lang="en-US"/>
           </a:p>
@@ -5081,7 +5081,7 @@
         <p:spPr>
           <a:xfrm>
             <a:off x="349798" y="4185985"/>
-            <a:ext cx="8877300" cy="938464"/>
+            <a:ext cx="10902736" cy="938464"/>
           </a:xfrm>
           <a:prstGeom prst="rect">
             <a:avLst/>
@@ -5799,7 +5799,7 @@
       <p:sp>
         <p:nvSpPr>
           <p:cNvPr id="82" name="Hexagon 81">
-            <a:hlinkClick r:id="rId4" action="ppaction://hlinksldjump"/>
+            <a:hlinkClick r:id="rId3" action="ppaction://hlinksldjump"/>
             <a:extLst>
               <a:ext uri="{FF2B5EF4-FFF2-40B4-BE49-F238E27FC236}">
                 <a16:creationId xmlns:a16="http://schemas.microsoft.com/office/drawing/2014/main" id="{74A6D451-BD91-4E8F-B846-9914310F558B}"/>
@@ -5854,7 +5854,7 @@
       <p:sp>
         <p:nvSpPr>
           <p:cNvPr id="84" name="Hexagon 83">
-            <a:hlinkClick r:id="rId5" action="ppaction://hlinksldjump"/>
+            <a:hlinkClick r:id="rId4" action="ppaction://hlinksldjump"/>
             <a:extLst>
               <a:ext uri="{FF2B5EF4-FFF2-40B4-BE49-F238E27FC236}">
                 <a16:creationId xmlns:a16="http://schemas.microsoft.com/office/drawing/2014/main" id="{1873950A-3DE4-414E-AAF4-A91C578B1B0D}"/>
@@ -5907,7 +5907,7 @@
       <p:sp>
         <p:nvSpPr>
           <p:cNvPr id="85" name="Hexagon 84">
-            <a:hlinkClick r:id="rId6" action="ppaction://hlinksldjump"/>
+            <a:hlinkClick r:id="rId5" action="ppaction://hlinksldjump"/>
             <a:extLst>
               <a:ext uri="{FF2B5EF4-FFF2-40B4-BE49-F238E27FC236}">
                 <a16:creationId xmlns:a16="http://schemas.microsoft.com/office/drawing/2014/main" id="{D081F31B-75AE-43C2-82E5-82AB62C2C9AA}"/>
@@ -5960,7 +5960,7 @@
       <p:sp>
         <p:nvSpPr>
           <p:cNvPr id="86" name="Hexagon 85">
-            <a:hlinkClick r:id="rId7" action="ppaction://hlinksldjump"/>
+            <a:hlinkClick r:id="rId6" action="ppaction://hlinksldjump"/>
             <a:extLst>
               <a:ext uri="{FF2B5EF4-FFF2-40B4-BE49-F238E27FC236}">
                 <a16:creationId xmlns:a16="http://schemas.microsoft.com/office/drawing/2014/main" id="{6EBE85BA-4345-4E08-BD45-4646E9F4E4FC}"/>
@@ -6013,7 +6013,7 @@
       <p:sp>
         <p:nvSpPr>
           <p:cNvPr id="89" name="Hexagon 88">
-            <a:hlinkClick r:id="rId8" action="ppaction://hlinksldjump"/>
+            <a:hlinkClick r:id="rId7" action="ppaction://hlinksldjump"/>
             <a:extLst>
               <a:ext uri="{FF2B5EF4-FFF2-40B4-BE49-F238E27FC236}">
                 <a16:creationId xmlns:a16="http://schemas.microsoft.com/office/drawing/2014/main" id="{80CD4882-8C39-4019-BA90-4E0002471F13}"/>
@@ -6066,7 +6066,7 @@
       <p:sp>
         <p:nvSpPr>
           <p:cNvPr id="90" name="Hexagon 89">
-            <a:hlinkClick r:id="rId9" action="ppaction://hlinksldjump"/>
+            <a:hlinkClick r:id="rId8" action="ppaction://hlinksldjump"/>
             <a:extLst>
               <a:ext uri="{FF2B5EF4-FFF2-40B4-BE49-F238E27FC236}">
                 <a16:creationId xmlns:a16="http://schemas.microsoft.com/office/drawing/2014/main" id="{77F99863-52FE-4CC8-8601-D96A2AC9A3C2}"/>
@@ -6119,7 +6119,7 @@
       <p:pic>
         <p:nvPicPr>
           <p:cNvPr id="93" name="Graphic 92" descr="Presentation with checklist">
-            <a:hlinkClick r:id="rId4" action="ppaction://hlinksldjump"/>
+            <a:hlinkClick r:id="rId3" action="ppaction://hlinksldjump"/>
             <a:extLst>
               <a:ext uri="{FF2B5EF4-FFF2-40B4-BE49-F238E27FC236}">
                 <a16:creationId xmlns:a16="http://schemas.microsoft.com/office/drawing/2014/main" id="{9BED9DC9-A405-4120-92B0-022F94A99C00}"/>
@@ -6132,13 +6132,13 @@
           <p:nvPr/>
         </p:nvPicPr>
         <p:blipFill>
-          <a:blip r:embed="rId10">
+          <a:blip r:embed="rId9">
             <a:extLst>
               <a:ext uri="{28A0092B-C50C-407E-A947-70E740481C1C}">
                 <a14:useLocalDpi xmlns:a14="http://schemas.microsoft.com/office/drawing/2010/main" val="0"/>
               </a:ext>
               <a:ext uri="{96DAC541-7B7A-43D3-8B79-37D633B846F1}">
-                <asvg:svgBlip xmlns:asvg="http://schemas.microsoft.com/office/drawing/2016/SVG/main" r:embed="rId11"/>
+                <asvg:svgBlip xmlns:asvg="http://schemas.microsoft.com/office/drawing/2016/SVG/main" r:embed="rId10"/>
               </a:ext>
             </a:extLst>
           </a:blip>
@@ -6159,7 +6159,7 @@
       <p:pic>
         <p:nvPicPr>
           <p:cNvPr id="95" name="Graphic 94" descr="Employee badge">
-            <a:hlinkClick r:id="rId5" action="ppaction://hlinksldjump"/>
+            <a:hlinkClick r:id="rId4" action="ppaction://hlinksldjump"/>
             <a:extLst>
               <a:ext uri="{FF2B5EF4-FFF2-40B4-BE49-F238E27FC236}">
                 <a16:creationId xmlns:a16="http://schemas.microsoft.com/office/drawing/2014/main" id="{79596E9E-FFBB-4BA7-A0A1-09CA322AA6E9}"/>
@@ -6172,13 +6172,13 @@
           <p:nvPr/>
         </p:nvPicPr>
         <p:blipFill>
-          <a:blip r:embed="rId12">
+          <a:blip r:embed="rId11">
             <a:extLst>
               <a:ext uri="{28A0092B-C50C-407E-A947-70E740481C1C}">
                 <a14:useLocalDpi xmlns:a14="http://schemas.microsoft.com/office/drawing/2010/main" val="0"/>
               </a:ext>
               <a:ext uri="{96DAC541-7B7A-43D3-8B79-37D633B846F1}">
-                <asvg:svgBlip xmlns:asvg="http://schemas.microsoft.com/office/drawing/2016/SVG/main" r:embed="rId13"/>
+                <asvg:svgBlip xmlns:asvg="http://schemas.microsoft.com/office/drawing/2016/SVG/main" r:embed="rId12"/>
               </a:ext>
             </a:extLst>
           </a:blip>
@@ -6199,7 +6199,7 @@
       <p:pic>
         <p:nvPicPr>
           <p:cNvPr id="98" name="Graphic 97" descr="Web design">
-            <a:hlinkClick r:id="rId9" action="ppaction://hlinksldjump"/>
+            <a:hlinkClick r:id="rId8" action="ppaction://hlinksldjump"/>
             <a:extLst>
               <a:ext uri="{FF2B5EF4-FFF2-40B4-BE49-F238E27FC236}">
                 <a16:creationId xmlns:a16="http://schemas.microsoft.com/office/drawing/2014/main" id="{B5A8A568-B731-480E-9A84-5E46BB46B77A}"/>
@@ -6212,13 +6212,13 @@
           <p:nvPr/>
         </p:nvPicPr>
         <p:blipFill>
-          <a:blip r:embed="rId14">
+          <a:blip r:embed="rId13">
             <a:extLst>
               <a:ext uri="{28A0092B-C50C-407E-A947-70E740481C1C}">
                 <a14:useLocalDpi xmlns:a14="http://schemas.microsoft.com/office/drawing/2010/main" val="0"/>
               </a:ext>
               <a:ext uri="{96DAC541-7B7A-43D3-8B79-37D633B846F1}">
-                <asvg:svgBlip xmlns:asvg="http://schemas.microsoft.com/office/drawing/2016/SVG/main" r:embed="rId15"/>
+                <asvg:svgBlip xmlns:asvg="http://schemas.microsoft.com/office/drawing/2016/SVG/main" r:embed="rId14"/>
               </a:ext>
             </a:extLst>
           </a:blip>
@@ -6239,7 +6239,7 @@
       <p:pic>
         <p:nvPicPr>
           <p:cNvPr id="99" name="Graphic 98" descr="Server">
-            <a:hlinkClick r:id="rId7" action="ppaction://hlinksldjump"/>
+            <a:hlinkClick r:id="rId6" action="ppaction://hlinksldjump"/>
             <a:extLst>
               <a:ext uri="{FF2B5EF4-FFF2-40B4-BE49-F238E27FC236}">
                 <a16:creationId xmlns:a16="http://schemas.microsoft.com/office/drawing/2014/main" id="{1B4A432A-AA2E-4797-B0CA-7408CF44AD69}"/>
@@ -6252,13 +6252,13 @@
           <p:nvPr/>
         </p:nvPicPr>
         <p:blipFill>
-          <a:blip r:embed="rId16">
+          <a:blip r:embed="rId15">
             <a:extLst>
               <a:ext uri="{28A0092B-C50C-407E-A947-70E740481C1C}">
                 <a14:useLocalDpi xmlns:a14="http://schemas.microsoft.com/office/drawing/2010/main" val="0"/>
               </a:ext>
               <a:ext uri="{96DAC541-7B7A-43D3-8B79-37D633B846F1}">
-                <asvg:svgBlip xmlns:asvg="http://schemas.microsoft.com/office/drawing/2016/SVG/main" r:embed="rId17"/>
+                <asvg:svgBlip xmlns:asvg="http://schemas.microsoft.com/office/drawing/2016/SVG/main" r:embed="rId16"/>
               </a:ext>
             </a:extLst>
           </a:blip>
@@ -6656,7 +6656,7 @@
       <p:pic>
         <p:nvPicPr>
           <p:cNvPr id="4" name="Graphic 3" descr="Chat">
-            <a:hlinkClick r:id="rId8" action="ppaction://hlinksldjump"/>
+            <a:hlinkClick r:id="rId7" action="ppaction://hlinksldjump"/>
             <a:extLst>
               <a:ext uri="{FF2B5EF4-FFF2-40B4-BE49-F238E27FC236}">
                 <a16:creationId xmlns:a16="http://schemas.microsoft.com/office/drawing/2014/main" id="{2AB60956-E8BF-4DC2-A755-4C70F1724276}"/>
@@ -6669,13 +6669,13 @@
           <p:nvPr/>
         </p:nvPicPr>
         <p:blipFill>
-          <a:blip r:embed="rId18">
+          <a:blip r:embed="rId17">
             <a:extLst>
               <a:ext uri="{28A0092B-C50C-407E-A947-70E740481C1C}">
                 <a14:useLocalDpi xmlns:a14="http://schemas.microsoft.com/office/drawing/2010/main" val="0"/>
               </a:ext>
               <a:ext uri="{96DAC541-7B7A-43D3-8B79-37D633B846F1}">
-                <asvg:svgBlip xmlns:asvg="http://schemas.microsoft.com/office/drawing/2016/SVG/main" r:embed="rId19"/>
+                <asvg:svgBlip xmlns:asvg="http://schemas.microsoft.com/office/drawing/2016/SVG/main" r:embed="rId18"/>
               </a:ext>
             </a:extLst>
           </a:blip>
@@ -6687,46 +6687,6 @@
           <a:xfrm>
             <a:off x="9763125" y="121790"/>
             <a:ext cx="335554" cy="414899"/>
-          </a:xfrm>
-          <a:prstGeom prst="rect">
-            <a:avLst/>
-          </a:prstGeom>
-        </p:spPr>
-      </p:pic>
-      <p:pic>
-        <p:nvPicPr>
-          <p:cNvPr id="6" name="Graphic 5" descr="Internet">
-            <a:hlinkClick r:id="rId6" action="ppaction://hlinksldjump"/>
-            <a:extLst>
-              <a:ext uri="{FF2B5EF4-FFF2-40B4-BE49-F238E27FC236}">
-                <a16:creationId xmlns:a16="http://schemas.microsoft.com/office/drawing/2014/main" id="{7476F716-C862-4433-A3E4-B7A4C3B25E19}"/>
-              </a:ext>
-            </a:extLst>
-          </p:cNvPr>
-          <p:cNvPicPr>
-            <a:picLocks noChangeAspect="1"/>
-          </p:cNvPicPr>
-          <p:nvPr/>
-        </p:nvPicPr>
-        <p:blipFill>
-          <a:blip r:embed="rId20">
-            <a:extLst>
-              <a:ext uri="{28A0092B-C50C-407E-A947-70E740481C1C}">
-                <a14:useLocalDpi xmlns:a14="http://schemas.microsoft.com/office/drawing/2010/main" val="0"/>
-              </a:ext>
-              <a:ext uri="{96DAC541-7B7A-43D3-8B79-37D633B846F1}">
-                <asvg:svgBlip xmlns:asvg="http://schemas.microsoft.com/office/drawing/2016/SVG/main" r:embed="rId21"/>
-              </a:ext>
-            </a:extLst>
-          </a:blip>
-          <a:stretch>
-            <a:fillRect/>
-          </a:stretch>
-        </p:blipFill>
-        <p:spPr>
-          <a:xfrm>
-            <a:off x="6529491" y="114795"/>
-            <a:ext cx="366609" cy="375699"/>
           </a:xfrm>
           <a:prstGeom prst="rect">
             <a:avLst/>
@@ -7208,7 +7168,7 @@
           <p:nvPr/>
         </p:nvPicPr>
         <p:blipFill>
-          <a:blip r:embed="rId22">
+          <a:blip r:embed="rId19">
             <a:extLst>
               <a:ext uri="{28A0092B-C50C-407E-A947-70E740481C1C}">
                 <a14:useLocalDpi xmlns:a14="http://schemas.microsoft.com/office/drawing/2010/main" val="0"/>
@@ -8012,69 +7972,6 @@
           </p:txBody>
         </p:sp>
       </p:grpSp>
-      <p:graphicFrame>
-        <p:nvGraphicFramePr>
-          <p:cNvPr id="17" name="Object 16">
-            <a:extLst>
-              <a:ext uri="{FF2B5EF4-FFF2-40B4-BE49-F238E27FC236}">
-                <a16:creationId xmlns:a16="http://schemas.microsoft.com/office/drawing/2014/main" id="{277530D9-D831-441B-993E-9DA6A074FFA5}"/>
-              </a:ext>
-            </a:extLst>
-          </p:cNvPr>
-          <p:cNvGraphicFramePr>
-            <a:graphicFrameLocks noChangeAspect="1"/>
-          </p:cNvGraphicFramePr>
-          <p:nvPr>
-            <p:extLst>
-              <p:ext uri="{D42A27DB-BD31-4B8C-83A1-F6EECF244321}">
-                <p14:modId xmlns:p14="http://schemas.microsoft.com/office/powerpoint/2010/main" val="2989164882"/>
-              </p:ext>
-            </p:extLst>
-          </p:nvPr>
-        </p:nvGraphicFramePr>
-        <p:xfrm>
-          <a:off x="0" y="6619875"/>
-          <a:ext cx="3600450" cy="276225"/>
-        </p:xfrm>
-        <a:graphic>
-          <a:graphicData uri="http://schemas.openxmlformats.org/presentationml/2006/ole">
-            <mc:AlternateContent xmlns:mc="http://schemas.openxmlformats.org/markup-compatibility/2006">
-              <mc:Choice xmlns:v="urn:schemas-microsoft-com:vml" Requires="v">
-                <p:oleObj spid="_x0000_s1193" name="Worksheet" r:id="rId23" imgW="3848174" imgH="271494" progId="Excel.Sheet.12">
-                  <p:link updateAutomatic="1"/>
-                </p:oleObj>
-              </mc:Choice>
-              <mc:Fallback>
-                <p:oleObj name="Worksheet" r:id="rId23" imgW="3848174" imgH="271494" progId="Excel.Sheet.12">
-                  <p:link updateAutomatic="1"/>
-                  <p:pic>
-                    <p:nvPicPr>
-                      <p:cNvPr id="0" name=""/>
-                      <p:cNvPicPr/>
-                      <p:nvPr/>
-                    </p:nvPicPr>
-                    <p:blipFill>
-                      <a:blip r:embed="rId24"/>
-                      <a:stretch>
-                        <a:fillRect/>
-                      </a:stretch>
-                    </p:blipFill>
-                    <p:spPr>
-                      <a:xfrm>
-                        <a:off x="0" y="6619875"/>
-                        <a:ext cx="3600450" cy="276225"/>
-                      </a:xfrm>
-                      <a:prstGeom prst="rect">
-                        <a:avLst/>
-                      </a:prstGeom>
-                    </p:spPr>
-                  </p:pic>
-                </p:oleObj>
-              </mc:Fallback>
-            </mc:AlternateContent>
-          </a:graphicData>
-        </a:graphic>
-      </p:graphicFrame>
       <p:sp>
         <p:nvSpPr>
           <p:cNvPr id="3" name="TextBox 2">
@@ -8255,6 +8152,46 @@
           </a:p>
         </p:txBody>
       </p:sp>
+      <p:pic>
+        <p:nvPicPr>
+          <p:cNvPr id="96" name="Graphic 95" descr="Internet">
+            <a:hlinkClick r:id="rId5" action="ppaction://hlinksldjump"/>
+            <a:extLst>
+              <a:ext uri="{FF2B5EF4-FFF2-40B4-BE49-F238E27FC236}">
+                <a16:creationId xmlns:a16="http://schemas.microsoft.com/office/drawing/2014/main" id="{FD229269-F352-904F-AD2B-0578FC858161}"/>
+              </a:ext>
+            </a:extLst>
+          </p:cNvPr>
+          <p:cNvPicPr>
+            <a:picLocks noChangeAspect="1"/>
+          </p:cNvPicPr>
+          <p:nvPr/>
+        </p:nvPicPr>
+        <p:blipFill>
+          <a:blip r:embed="rId20">
+            <a:extLst>
+              <a:ext uri="{28A0092B-C50C-407E-A947-70E740481C1C}">
+                <a14:useLocalDpi xmlns:a14="http://schemas.microsoft.com/office/drawing/2010/main" val="0"/>
+              </a:ext>
+              <a:ext uri="{96DAC541-7B7A-43D3-8B79-37D633B846F1}">
+                <asvg:svgBlip xmlns:asvg="http://schemas.microsoft.com/office/drawing/2016/SVG/main" r:embed="rId21"/>
+              </a:ext>
+            </a:extLst>
+          </a:blip>
+          <a:stretch>
+            <a:fillRect/>
+          </a:stretch>
+        </p:blipFill>
+        <p:spPr>
+          <a:xfrm>
+            <a:off x="6529491" y="114795"/>
+            <a:ext cx="366609" cy="375699"/>
+          </a:xfrm>
+          <a:prstGeom prst="rect">
+            <a:avLst/>
+          </a:prstGeom>
+        </p:spPr>
+      </p:pic>
     </p:spTree>
     <p:extLst>
       <p:ext uri="{BB962C8B-B14F-4D97-AF65-F5344CB8AC3E}">
@@ -8557,7 +8494,7 @@
       <p:sp>
         <p:nvSpPr>
           <p:cNvPr id="151" name="Hexagon 150">
-            <a:hlinkClick r:id="rId3" action="ppaction://hlinksldjump"/>
+            <a:hlinkClick r:id="rId2" action="ppaction://hlinksldjump"/>
             <a:extLst>
               <a:ext uri="{FF2B5EF4-FFF2-40B4-BE49-F238E27FC236}">
                 <a16:creationId xmlns:a16="http://schemas.microsoft.com/office/drawing/2014/main" id="{80B85E77-D9E3-4CFF-A457-028740349ED4}"/>
@@ -8612,7 +8549,7 @@
       <p:sp>
         <p:nvSpPr>
           <p:cNvPr id="152" name="Hexagon 151">
-            <a:hlinkClick r:id="rId4" action="ppaction://hlinksldjump"/>
+            <a:hlinkClick r:id="rId3" action="ppaction://hlinksldjump"/>
             <a:extLst>
               <a:ext uri="{FF2B5EF4-FFF2-40B4-BE49-F238E27FC236}">
                 <a16:creationId xmlns:a16="http://schemas.microsoft.com/office/drawing/2014/main" id="{830699C3-5AC6-4699-B0DC-05DA668A3559}"/>
@@ -8665,7 +8602,7 @@
       <p:sp>
         <p:nvSpPr>
           <p:cNvPr id="153" name="Hexagon 152">
-            <a:hlinkClick r:id="rId5" action="ppaction://hlinksldjump"/>
+            <a:hlinkClick r:id="rId4" action="ppaction://hlinksldjump"/>
             <a:extLst>
               <a:ext uri="{FF2B5EF4-FFF2-40B4-BE49-F238E27FC236}">
                 <a16:creationId xmlns:a16="http://schemas.microsoft.com/office/drawing/2014/main" id="{9459A61E-46F5-4BC9-8B8F-65303EE30BEF}"/>
@@ -8718,7 +8655,7 @@
       <p:sp>
         <p:nvSpPr>
           <p:cNvPr id="154" name="Hexagon 153">
-            <a:hlinkClick r:id="rId6" action="ppaction://hlinksldjump"/>
+            <a:hlinkClick r:id="rId5" action="ppaction://hlinksldjump"/>
             <a:extLst>
               <a:ext uri="{FF2B5EF4-FFF2-40B4-BE49-F238E27FC236}">
                 <a16:creationId xmlns:a16="http://schemas.microsoft.com/office/drawing/2014/main" id="{F2E07B16-9C48-4542-BBF0-41C9D7CB1FBC}"/>
@@ -8771,7 +8708,7 @@
       <p:sp>
         <p:nvSpPr>
           <p:cNvPr id="155" name="Hexagon 154">
-            <a:hlinkClick r:id="rId7" action="ppaction://hlinksldjump"/>
+            <a:hlinkClick r:id="rId6" action="ppaction://hlinksldjump"/>
             <a:extLst>
               <a:ext uri="{FF2B5EF4-FFF2-40B4-BE49-F238E27FC236}">
                 <a16:creationId xmlns:a16="http://schemas.microsoft.com/office/drawing/2014/main" id="{10E89B62-8E3D-474B-900A-AF88C910341D}"/>
@@ -8876,7 +8813,7 @@
       <p:sp>
         <p:nvSpPr>
           <p:cNvPr id="150" name="Hexagon 149">
-            <a:hlinkClick r:id="rId8" action="ppaction://hlinksldjump"/>
+            <a:hlinkClick r:id="rId7" action="ppaction://hlinksldjump"/>
             <a:extLst>
               <a:ext uri="{FF2B5EF4-FFF2-40B4-BE49-F238E27FC236}">
                 <a16:creationId xmlns:a16="http://schemas.microsoft.com/office/drawing/2014/main" id="{F280AD42-CC9A-499B-9650-654978DE707B}"/>
@@ -8980,7 +8917,7 @@
       <p:pic>
         <p:nvPicPr>
           <p:cNvPr id="135" name="Graphic 134" descr="Presentation with checklist">
-            <a:hlinkClick r:id="rId8" action="ppaction://hlinksldjump"/>
+            <a:hlinkClick r:id="rId7" action="ppaction://hlinksldjump"/>
             <a:extLst>
               <a:ext uri="{FF2B5EF4-FFF2-40B4-BE49-F238E27FC236}">
                 <a16:creationId xmlns:a16="http://schemas.microsoft.com/office/drawing/2014/main" id="{091A5E44-2092-41FD-B7B5-F0A57461EFA8}"/>
@@ -8993,13 +8930,13 @@
           <p:nvPr/>
         </p:nvPicPr>
         <p:blipFill>
-          <a:blip r:embed="rId9">
+          <a:blip r:embed="rId8">
             <a:extLst>
               <a:ext uri="{28A0092B-C50C-407E-A947-70E740481C1C}">
                 <a14:useLocalDpi xmlns:a14="http://schemas.microsoft.com/office/drawing/2010/main" val="0"/>
               </a:ext>
               <a:ext uri="{96DAC541-7B7A-43D3-8B79-37D633B846F1}">
-                <asvg:svgBlip xmlns:asvg="http://schemas.microsoft.com/office/drawing/2016/SVG/main" r:embed="rId10"/>
+                <asvg:svgBlip xmlns:asvg="http://schemas.microsoft.com/office/drawing/2016/SVG/main" r:embed="rId9"/>
               </a:ext>
             </a:extLst>
           </a:blip>
@@ -9020,7 +8957,7 @@
       <p:pic>
         <p:nvPicPr>
           <p:cNvPr id="136" name="Graphic 135" descr="Employee badge">
-            <a:hlinkClick r:id="rId3" action="ppaction://hlinksldjump"/>
+            <a:hlinkClick r:id="rId2" action="ppaction://hlinksldjump"/>
             <a:extLst>
               <a:ext uri="{FF2B5EF4-FFF2-40B4-BE49-F238E27FC236}">
                 <a16:creationId xmlns:a16="http://schemas.microsoft.com/office/drawing/2014/main" id="{9E39085E-E3BE-44A2-B8F1-5D15B49098FB}"/>
@@ -9033,13 +8970,13 @@
           <p:nvPr/>
         </p:nvPicPr>
         <p:blipFill>
-          <a:blip r:embed="rId11">
+          <a:blip r:embed="rId10">
             <a:extLst>
               <a:ext uri="{28A0092B-C50C-407E-A947-70E740481C1C}">
                 <a14:useLocalDpi xmlns:a14="http://schemas.microsoft.com/office/drawing/2010/main" val="0"/>
               </a:ext>
               <a:ext uri="{96DAC541-7B7A-43D3-8B79-37D633B846F1}">
-                <asvg:svgBlip xmlns:asvg="http://schemas.microsoft.com/office/drawing/2016/SVG/main" r:embed="rId12"/>
+                <asvg:svgBlip xmlns:asvg="http://schemas.microsoft.com/office/drawing/2016/SVG/main" r:embed="rId11"/>
               </a:ext>
             </a:extLst>
           </a:blip>
@@ -9060,7 +8997,7 @@
       <p:pic>
         <p:nvPicPr>
           <p:cNvPr id="137" name="Graphic 136" descr="Web design">
-            <a:hlinkClick r:id="rId7" action="ppaction://hlinksldjump"/>
+            <a:hlinkClick r:id="rId6" action="ppaction://hlinksldjump"/>
             <a:extLst>
               <a:ext uri="{FF2B5EF4-FFF2-40B4-BE49-F238E27FC236}">
                 <a16:creationId xmlns:a16="http://schemas.microsoft.com/office/drawing/2014/main" id="{2CBF198E-13A7-48BA-A642-F7CFFAF55E77}"/>
@@ -9073,13 +9010,13 @@
           <p:nvPr/>
         </p:nvPicPr>
         <p:blipFill>
-          <a:blip r:embed="rId13">
+          <a:blip r:embed="rId12">
             <a:extLst>
               <a:ext uri="{28A0092B-C50C-407E-A947-70E740481C1C}">
                 <a14:useLocalDpi xmlns:a14="http://schemas.microsoft.com/office/drawing/2010/main" val="0"/>
               </a:ext>
               <a:ext uri="{96DAC541-7B7A-43D3-8B79-37D633B846F1}">
-                <asvg:svgBlip xmlns:asvg="http://schemas.microsoft.com/office/drawing/2016/SVG/main" r:embed="rId14"/>
+                <asvg:svgBlip xmlns:asvg="http://schemas.microsoft.com/office/drawing/2016/SVG/main" r:embed="rId13"/>
               </a:ext>
             </a:extLst>
           </a:blip>
@@ -9100,7 +9037,7 @@
       <p:pic>
         <p:nvPicPr>
           <p:cNvPr id="149" name="Graphic 148" descr="Server">
-            <a:hlinkClick r:id="rId5" action="ppaction://hlinksldjump"/>
+            <a:hlinkClick r:id="rId4" action="ppaction://hlinksldjump"/>
             <a:extLst>
               <a:ext uri="{FF2B5EF4-FFF2-40B4-BE49-F238E27FC236}">
                 <a16:creationId xmlns:a16="http://schemas.microsoft.com/office/drawing/2014/main" id="{B91505EE-EF82-44FD-862E-D494BFF47401}"/>
@@ -9113,13 +9050,13 @@
           <p:nvPr/>
         </p:nvPicPr>
         <p:blipFill>
-          <a:blip r:embed="rId15">
+          <a:blip r:embed="rId14">
             <a:extLst>
               <a:ext uri="{28A0092B-C50C-407E-A947-70E740481C1C}">
                 <a14:useLocalDpi xmlns:a14="http://schemas.microsoft.com/office/drawing/2010/main" val="0"/>
               </a:ext>
               <a:ext uri="{96DAC541-7B7A-43D3-8B79-37D633B846F1}">
-                <asvg:svgBlip xmlns:asvg="http://schemas.microsoft.com/office/drawing/2016/SVG/main" r:embed="rId16"/>
+                <asvg:svgBlip xmlns:asvg="http://schemas.microsoft.com/office/drawing/2016/SVG/main" r:embed="rId15"/>
               </a:ext>
             </a:extLst>
           </a:blip>
@@ -9139,7 +9076,7 @@
       <p:pic>
         <p:nvPicPr>
           <p:cNvPr id="157" name="Graphic 156" descr="Chat">
-            <a:hlinkClick r:id="rId6" action="ppaction://hlinksldjump"/>
+            <a:hlinkClick r:id="rId5" action="ppaction://hlinksldjump"/>
             <a:extLst>
               <a:ext uri="{FF2B5EF4-FFF2-40B4-BE49-F238E27FC236}">
                 <a16:creationId xmlns:a16="http://schemas.microsoft.com/office/drawing/2014/main" id="{BA7FB08E-B279-4A34-BFC3-4F0D73AC8EB4}"/>
@@ -9152,13 +9089,13 @@
           <p:nvPr/>
         </p:nvPicPr>
         <p:blipFill>
-          <a:blip r:embed="rId17">
+          <a:blip r:embed="rId16">
             <a:extLst>
               <a:ext uri="{28A0092B-C50C-407E-A947-70E740481C1C}">
                 <a14:useLocalDpi xmlns:a14="http://schemas.microsoft.com/office/drawing/2010/main" val="0"/>
               </a:ext>
               <a:ext uri="{96DAC541-7B7A-43D3-8B79-37D633B846F1}">
-                <asvg:svgBlip xmlns:asvg="http://schemas.microsoft.com/office/drawing/2016/SVG/main" r:embed="rId18"/>
+                <asvg:svgBlip xmlns:asvg="http://schemas.microsoft.com/office/drawing/2016/SVG/main" r:embed="rId17"/>
               </a:ext>
             </a:extLst>
           </a:blip>
@@ -9179,7 +9116,7 @@
       <p:pic>
         <p:nvPicPr>
           <p:cNvPr id="161" name="Graphic 160" descr="Internet">
-            <a:hlinkClick r:id="rId4" action="ppaction://hlinksldjump"/>
+            <a:hlinkClick r:id="rId3" action="ppaction://hlinksldjump"/>
             <a:extLst>
               <a:ext uri="{FF2B5EF4-FFF2-40B4-BE49-F238E27FC236}">
                 <a16:creationId xmlns:a16="http://schemas.microsoft.com/office/drawing/2014/main" id="{EFD5B5D8-D0F0-4A6E-9901-5705D84C8E54}"/>
@@ -9192,13 +9129,13 @@
           <p:nvPr/>
         </p:nvPicPr>
         <p:blipFill>
-          <a:blip r:embed="rId19">
+          <a:blip r:embed="rId18">
             <a:extLst>
               <a:ext uri="{28A0092B-C50C-407E-A947-70E740481C1C}">
                 <a14:useLocalDpi xmlns:a14="http://schemas.microsoft.com/office/drawing/2010/main" val="0"/>
               </a:ext>
               <a:ext uri="{96DAC541-7B7A-43D3-8B79-37D633B846F1}">
-                <asvg:svgBlip xmlns:asvg="http://schemas.microsoft.com/office/drawing/2016/SVG/main" r:embed="rId20"/>
+                <asvg:svgBlip xmlns:asvg="http://schemas.microsoft.com/office/drawing/2016/SVG/main" r:embed="rId19"/>
               </a:ext>
             </a:extLst>
           </a:blip>
@@ -9231,7 +9168,7 @@
           <p:nvPr/>
         </p:nvPicPr>
         <p:blipFill>
-          <a:blip r:embed="rId21">
+          <a:blip r:embed="rId20">
             <a:extLst>
               <a:ext uri="{28A0092B-C50C-407E-A947-70E740481C1C}">
                 <a14:useLocalDpi xmlns:a14="http://schemas.microsoft.com/office/drawing/2010/main" val="0"/>
@@ -9263,69 +9200,6 @@
           </a:extLst>
         </p:spPr>
       </p:pic>
-      <p:graphicFrame>
-        <p:nvGraphicFramePr>
-          <p:cNvPr id="6" name="Object 5">
-            <a:extLst>
-              <a:ext uri="{FF2B5EF4-FFF2-40B4-BE49-F238E27FC236}">
-                <a16:creationId xmlns:a16="http://schemas.microsoft.com/office/drawing/2014/main" id="{E877606A-7098-45EC-B2A9-F278CABB8B7E}"/>
-              </a:ext>
-            </a:extLst>
-          </p:cNvPr>
-          <p:cNvGraphicFramePr>
-            <a:graphicFrameLocks noChangeAspect="1"/>
-          </p:cNvGraphicFramePr>
-          <p:nvPr>
-            <p:extLst>
-              <p:ext uri="{D42A27DB-BD31-4B8C-83A1-F6EECF244321}">
-                <p14:modId xmlns:p14="http://schemas.microsoft.com/office/powerpoint/2010/main" val="3594781825"/>
-              </p:ext>
-            </p:extLst>
-          </p:nvPr>
-        </p:nvGraphicFramePr>
-        <p:xfrm>
-          <a:off x="-3175" y="6616700"/>
-          <a:ext cx="3600450" cy="276225"/>
-        </p:xfrm>
-        <a:graphic>
-          <a:graphicData uri="http://schemas.openxmlformats.org/presentationml/2006/ole">
-            <mc:AlternateContent xmlns:mc="http://schemas.openxmlformats.org/markup-compatibility/2006">
-              <mc:Choice xmlns:v="urn:schemas-microsoft-com:vml" Requires="v">
-                <p:oleObj spid="_x0000_s2142" name="Worksheet" r:id="rId22" imgW="3848174" imgH="271494" progId="Excel.Sheet.12">
-                  <p:link updateAutomatic="1"/>
-                </p:oleObj>
-              </mc:Choice>
-              <mc:Fallback>
-                <p:oleObj name="Worksheet" r:id="rId22" imgW="3848174" imgH="271494" progId="Excel.Sheet.12">
-                  <p:link updateAutomatic="1"/>
-                  <p:pic>
-                    <p:nvPicPr>
-                      <p:cNvPr id="0" name=""/>
-                      <p:cNvPicPr/>
-                      <p:nvPr/>
-                    </p:nvPicPr>
-                    <p:blipFill>
-                      <a:blip r:embed="rId23"/>
-                      <a:stretch>
-                        <a:fillRect/>
-                      </a:stretch>
-                    </p:blipFill>
-                    <p:spPr>
-                      <a:xfrm>
-                        <a:off x="-3175" y="6616700"/>
-                        <a:ext cx="3600450" cy="276225"/>
-                      </a:xfrm>
-                      <a:prstGeom prst="rect">
-                        <a:avLst/>
-                      </a:prstGeom>
-                    </p:spPr>
-                  </p:pic>
-                </p:oleObj>
-              </mc:Fallback>
-            </mc:AlternateContent>
-          </a:graphicData>
-        </a:graphic>
-      </p:graphicFrame>
       <p:sp>
         <p:nvSpPr>
           <p:cNvPr id="45" name="TextBox 44">
@@ -11134,69 +11008,6 @@
           </a:extLst>
         </p:spPr>
       </p:pic>
-      <p:graphicFrame>
-        <p:nvGraphicFramePr>
-          <p:cNvPr id="5" name="Object 4">
-            <a:extLst>
-              <a:ext uri="{FF2B5EF4-FFF2-40B4-BE49-F238E27FC236}">
-                <a16:creationId xmlns:a16="http://schemas.microsoft.com/office/drawing/2014/main" id="{745E6BA8-FC4B-44FB-9AA9-A0816BD95033}"/>
-              </a:ext>
-            </a:extLst>
-          </p:cNvPr>
-          <p:cNvGraphicFramePr>
-            <a:graphicFrameLocks noChangeAspect="1"/>
-          </p:cNvGraphicFramePr>
-          <p:nvPr>
-            <p:extLst>
-              <p:ext uri="{D42A27DB-BD31-4B8C-83A1-F6EECF244321}">
-                <p14:modId xmlns:p14="http://schemas.microsoft.com/office/powerpoint/2010/main" val="3454002545"/>
-              </p:ext>
-            </p:extLst>
-          </p:nvPr>
-        </p:nvGraphicFramePr>
-        <p:xfrm>
-          <a:off x="-3175" y="6618288"/>
-          <a:ext cx="3600450" cy="276225"/>
-        </p:xfrm>
-        <a:graphic>
-          <a:graphicData uri="http://schemas.openxmlformats.org/presentationml/2006/ole">
-            <mc:AlternateContent xmlns:mc="http://schemas.openxmlformats.org/markup-compatibility/2006">
-              <mc:Choice xmlns:v="urn:schemas-microsoft-com:vml" Requires="v">
-                <p:oleObj spid="_x0000_s3169" name="Worksheet" r:id="rId23" imgW="3848174" imgH="271494" progId="Excel.Sheet.12">
-                  <p:link updateAutomatic="1"/>
-                </p:oleObj>
-              </mc:Choice>
-              <mc:Fallback>
-                <p:oleObj name="Worksheet" r:id="rId23" imgW="3848174" imgH="271494" progId="Excel.Sheet.12">
-                  <p:link updateAutomatic="1"/>
-                  <p:pic>
-                    <p:nvPicPr>
-                      <p:cNvPr id="0" name=""/>
-                      <p:cNvPicPr/>
-                      <p:nvPr/>
-                    </p:nvPicPr>
-                    <p:blipFill>
-                      <a:blip r:embed="rId24"/>
-                      <a:stretch>
-                        <a:fillRect/>
-                      </a:stretch>
-                    </p:blipFill>
-                    <p:spPr>
-                      <a:xfrm>
-                        <a:off x="-3175" y="6618288"/>
-                        <a:ext cx="3600450" cy="276225"/>
-                      </a:xfrm>
-                      <a:prstGeom prst="rect">
-                        <a:avLst/>
-                      </a:prstGeom>
-                    </p:spPr>
-                  </p:pic>
-                </p:oleObj>
-              </mc:Fallback>
-            </mc:AlternateContent>
-          </a:graphicData>
-        </a:graphic>
-      </p:graphicFrame>
       <p:sp>
         <p:nvSpPr>
           <p:cNvPr id="29" name="TextBox 28">
@@ -11479,7 +11290,7 @@
         <p:spPr>
           <a:xfrm>
             <a:off x="3436302" y="3959535"/>
-            <a:ext cx="4613155" cy="276999"/>
+            <a:ext cx="4613155" cy="646331"/>
           </a:xfrm>
           <a:prstGeom prst="rect">
             <a:avLst/>
@@ -11498,8 +11309,21 @@
                   <a:srgbClr val="2F5597"/>
                 </a:solidFill>
               </a:rPr>
-              <a:t>Top level domains used for suspected masquerading of agency assets</a:t>
+              <a:t>Top level domains used for suspected masquerading of agency assets </a:t>
             </a:r>
+            <a:r>
+              <a:rPr lang="en-US" sz="1200" dirty="0">
+                <a:solidFill>
+                  <a:schemeClr val="tx1">
+                    <a:lumMod val="65000"/>
+                    <a:lumOff val="35000"/>
+                  </a:schemeClr>
+                </a:solidFill>
+              </a:rPr>
+              <a:t>Displaying first 25. Refer to the Domain Alerts file for all unique TLDs.</a:t>
+            </a:r>
+          </a:p>
+          <a:p>
             <a:endParaRPr lang="en-US" sz="1200" dirty="0">
               <a:solidFill>
                 <a:schemeClr val="tx1">
@@ -11974,12 +11798,12 @@
           <a:graphicData uri="http://schemas.openxmlformats.org/presentationml/2006/ole">
             <mc:AlternateContent xmlns:mc="http://schemas.openxmlformats.org/markup-compatibility/2006">
               <mc:Choice xmlns:v="urn:schemas-microsoft-com:vml" Requires="v">
-                <p:oleObj spid="_x0000_s3170" name="Worksheet" r:id="rId25" imgW="3610038" imgH="909659" progId="Excel.Sheet.12">
+                <p:oleObj spid="_x0000_s3185" name="Worksheet" r:id="rId23" imgW="3610038" imgH="909659" progId="Excel.Sheet.12">
                   <p:link updateAutomatic="1"/>
                 </p:oleObj>
               </mc:Choice>
               <mc:Fallback>
-                <p:oleObj name="Worksheet" r:id="rId25" imgW="3610038" imgH="909659" progId="Excel.Sheet.12">
+                <p:oleObj name="Worksheet" r:id="rId23" imgW="3610038" imgH="909659" progId="Excel.Sheet.12">
                   <p:link updateAutomatic="1"/>
                   <p:pic>
                     <p:nvPicPr>
@@ -11988,7 +11812,7 @@
                       <p:nvPr/>
                     </p:nvPicPr>
                     <p:blipFill>
-                      <a:blip r:embed="rId26"/>
+                      <a:blip r:embed="rId24"/>
                       <a:stretch>
                         <a:fillRect/>
                       </a:stretch>
@@ -12055,6 +11879,38 @@
               </a:rPr>
               <a:t>Key Metrics</a:t>
             </a:r>
+          </a:p>
+        </p:txBody>
+      </p:sp>
+      <p:sp>
+        <p:nvSpPr>
+          <p:cNvPr id="2" name="TextBox 1">
+            <a:extLst>
+              <a:ext uri="{FF2B5EF4-FFF2-40B4-BE49-F238E27FC236}">
+                <a16:creationId xmlns:a16="http://schemas.microsoft.com/office/drawing/2014/main" id="{B0153B6D-A063-F542-A8DA-BC971FF6F8AE}"/>
+              </a:ext>
+            </a:extLst>
+          </p:cNvPr>
+          <p:cNvSpPr txBox="1"/>
+          <p:nvPr/>
+        </p:nvSpPr>
+        <p:spPr>
+          <a:xfrm>
+            <a:off x="9166990" y="4545553"/>
+            <a:ext cx="2867861" cy="2104629"/>
+          </a:xfrm>
+          <a:prstGeom prst="rect">
+            <a:avLst/>
+          </a:prstGeom>
+          <a:noFill/>
+        </p:spPr>
+        <p:txBody>
+          <a:bodyPr wrap="square" rtlCol="0">
+            <a:spAutoFit/>
+          </a:bodyPr>
+          <a:lstStyle/>
+          <a:p>
+            <a:endParaRPr lang="en-US"/>
           </a:p>
         </p:txBody>
       </p:sp>
@@ -12404,7 +12260,7 @@
       <p:sp>
         <p:nvSpPr>
           <p:cNvPr id="98" name="Hexagon 97">
-            <a:hlinkClick r:id="rId3" action="ppaction://hlinksldjump"/>
+            <a:hlinkClick r:id="rId2" action="ppaction://hlinksldjump"/>
             <a:extLst>
               <a:ext uri="{FF2B5EF4-FFF2-40B4-BE49-F238E27FC236}">
                 <a16:creationId xmlns:a16="http://schemas.microsoft.com/office/drawing/2014/main" id="{888A8E35-8F85-41B7-BE91-F93FF0D40B2F}"/>
@@ -12459,7 +12315,7 @@
       <p:sp>
         <p:nvSpPr>
           <p:cNvPr id="99" name="Hexagon 98">
-            <a:hlinkClick r:id="rId4" action="ppaction://hlinksldjump"/>
+            <a:hlinkClick r:id="rId3" action="ppaction://hlinksldjump"/>
             <a:extLst>
               <a:ext uri="{FF2B5EF4-FFF2-40B4-BE49-F238E27FC236}">
                 <a16:creationId xmlns:a16="http://schemas.microsoft.com/office/drawing/2014/main" id="{9D15BF6C-9071-4D3B-9222-9B7E540E065F}"/>
@@ -12512,7 +12368,7 @@
       <p:sp>
         <p:nvSpPr>
           <p:cNvPr id="100" name="Hexagon 99">
-            <a:hlinkClick r:id="rId5" action="ppaction://hlinksldjump"/>
+            <a:hlinkClick r:id="rId4" action="ppaction://hlinksldjump"/>
             <a:extLst>
               <a:ext uri="{FF2B5EF4-FFF2-40B4-BE49-F238E27FC236}">
                 <a16:creationId xmlns:a16="http://schemas.microsoft.com/office/drawing/2014/main" id="{55A0A95E-E3EC-4A97-A7A7-5E8ADC774FA4}"/>
@@ -12617,7 +12473,7 @@
       <p:sp>
         <p:nvSpPr>
           <p:cNvPr id="95" name="Hexagon 94">
-            <a:hlinkClick r:id="rId6" action="ppaction://hlinksldjump"/>
+            <a:hlinkClick r:id="rId5" action="ppaction://hlinksldjump"/>
             <a:extLst>
               <a:ext uri="{FF2B5EF4-FFF2-40B4-BE49-F238E27FC236}">
                 <a16:creationId xmlns:a16="http://schemas.microsoft.com/office/drawing/2014/main" id="{611094D1-453A-4F41-AD73-D55B094D38CC}"/>
@@ -12670,7 +12526,7 @@
       <p:sp>
         <p:nvSpPr>
           <p:cNvPr id="96" name="Hexagon 95">
-            <a:hlinkClick r:id="rId7" action="ppaction://hlinksldjump"/>
+            <a:hlinkClick r:id="rId6" action="ppaction://hlinksldjump"/>
             <a:extLst>
               <a:ext uri="{FF2B5EF4-FFF2-40B4-BE49-F238E27FC236}">
                 <a16:creationId xmlns:a16="http://schemas.microsoft.com/office/drawing/2014/main" id="{9037EEF2-D86A-48D8-845E-EDED0BB90D9D}"/>
@@ -12723,7 +12579,7 @@
       <p:sp>
         <p:nvSpPr>
           <p:cNvPr id="97" name="Hexagon 96">
-            <a:hlinkClick r:id="rId8" action="ppaction://hlinksldjump"/>
+            <a:hlinkClick r:id="rId7" action="ppaction://hlinksldjump"/>
             <a:extLst>
               <a:ext uri="{FF2B5EF4-FFF2-40B4-BE49-F238E27FC236}">
                 <a16:creationId xmlns:a16="http://schemas.microsoft.com/office/drawing/2014/main" id="{CB4120CF-7254-4892-BB54-B7979EE66A63}"/>
@@ -12816,7 +12672,7 @@
       <p:pic>
         <p:nvPicPr>
           <p:cNvPr id="128" name="Graphic 127" descr="Presentation with checklist">
-            <a:hlinkClick r:id="rId6" action="ppaction://hlinksldjump"/>
+            <a:hlinkClick r:id="rId5" action="ppaction://hlinksldjump"/>
             <a:extLst>
               <a:ext uri="{FF2B5EF4-FFF2-40B4-BE49-F238E27FC236}">
                 <a16:creationId xmlns:a16="http://schemas.microsoft.com/office/drawing/2014/main" id="{9E7C14B9-C61A-410A-9412-08B2F945971F}"/>
@@ -12829,13 +12685,13 @@
           <p:nvPr/>
         </p:nvPicPr>
         <p:blipFill>
-          <a:blip r:embed="rId9">
+          <a:blip r:embed="rId8">
             <a:extLst>
               <a:ext uri="{28A0092B-C50C-407E-A947-70E740481C1C}">
                 <a14:useLocalDpi xmlns:a14="http://schemas.microsoft.com/office/drawing/2010/main" val="0"/>
               </a:ext>
               <a:ext uri="{96DAC541-7B7A-43D3-8B79-37D633B846F1}">
-                <asvg:svgBlip xmlns:asvg="http://schemas.microsoft.com/office/drawing/2016/SVG/main" r:embed="rId10"/>
+                <asvg:svgBlip xmlns:asvg="http://schemas.microsoft.com/office/drawing/2016/SVG/main" r:embed="rId9"/>
               </a:ext>
             </a:extLst>
           </a:blip>
@@ -12856,7 +12712,7 @@
       <p:pic>
         <p:nvPicPr>
           <p:cNvPr id="129" name="Graphic 128" descr="Employee badge">
-            <a:hlinkClick r:id="rId7" action="ppaction://hlinksldjump"/>
+            <a:hlinkClick r:id="rId6" action="ppaction://hlinksldjump"/>
             <a:extLst>
               <a:ext uri="{FF2B5EF4-FFF2-40B4-BE49-F238E27FC236}">
                 <a16:creationId xmlns:a16="http://schemas.microsoft.com/office/drawing/2014/main" id="{EF339130-981C-4BFC-BD84-E3BDBE2B6566}"/>
@@ -12869,13 +12725,13 @@
           <p:nvPr/>
         </p:nvPicPr>
         <p:blipFill>
-          <a:blip r:embed="rId11">
+          <a:blip r:embed="rId10">
             <a:extLst>
               <a:ext uri="{28A0092B-C50C-407E-A947-70E740481C1C}">
                 <a14:useLocalDpi xmlns:a14="http://schemas.microsoft.com/office/drawing/2010/main" val="0"/>
               </a:ext>
               <a:ext uri="{96DAC541-7B7A-43D3-8B79-37D633B846F1}">
-                <asvg:svgBlip xmlns:asvg="http://schemas.microsoft.com/office/drawing/2016/SVG/main" r:embed="rId12"/>
+                <asvg:svgBlip xmlns:asvg="http://schemas.microsoft.com/office/drawing/2016/SVG/main" r:embed="rId11"/>
               </a:ext>
             </a:extLst>
           </a:blip>
@@ -12896,7 +12752,7 @@
       <p:pic>
         <p:nvPicPr>
           <p:cNvPr id="130" name="Graphic 129" descr="Web design">
-            <a:hlinkClick r:id="rId5" action="ppaction://hlinksldjump"/>
+            <a:hlinkClick r:id="rId4" action="ppaction://hlinksldjump"/>
             <a:extLst>
               <a:ext uri="{FF2B5EF4-FFF2-40B4-BE49-F238E27FC236}">
                 <a16:creationId xmlns:a16="http://schemas.microsoft.com/office/drawing/2014/main" id="{2BB10087-CC4F-4C33-ADC2-6C47CFC6C4C4}"/>
@@ -12909,13 +12765,13 @@
           <p:nvPr/>
         </p:nvPicPr>
         <p:blipFill>
-          <a:blip r:embed="rId13">
+          <a:blip r:embed="rId12">
             <a:extLst>
               <a:ext uri="{28A0092B-C50C-407E-A947-70E740481C1C}">
                 <a14:useLocalDpi xmlns:a14="http://schemas.microsoft.com/office/drawing/2010/main" val="0"/>
               </a:ext>
               <a:ext uri="{96DAC541-7B7A-43D3-8B79-37D633B846F1}">
-                <asvg:svgBlip xmlns:asvg="http://schemas.microsoft.com/office/drawing/2016/SVG/main" r:embed="rId14"/>
+                <asvg:svgBlip xmlns:asvg="http://schemas.microsoft.com/office/drawing/2016/SVG/main" r:embed="rId13"/>
               </a:ext>
             </a:extLst>
           </a:blip>
@@ -12936,7 +12792,7 @@
       <p:pic>
         <p:nvPicPr>
           <p:cNvPr id="131" name="Graphic 130" descr="Server">
-            <a:hlinkClick r:id="rId3" action="ppaction://hlinksldjump"/>
+            <a:hlinkClick r:id="rId2" action="ppaction://hlinksldjump"/>
             <a:extLst>
               <a:ext uri="{FF2B5EF4-FFF2-40B4-BE49-F238E27FC236}">
                 <a16:creationId xmlns:a16="http://schemas.microsoft.com/office/drawing/2014/main" id="{CC46FD4D-44A6-4D3F-8A9E-18470D698A51}"/>
@@ -12949,13 +12805,13 @@
           <p:nvPr/>
         </p:nvPicPr>
         <p:blipFill>
-          <a:blip r:embed="rId15">
+          <a:blip r:embed="rId14">
             <a:extLst>
               <a:ext uri="{28A0092B-C50C-407E-A947-70E740481C1C}">
                 <a14:useLocalDpi xmlns:a14="http://schemas.microsoft.com/office/drawing/2010/main" val="0"/>
               </a:ext>
               <a:ext uri="{96DAC541-7B7A-43D3-8B79-37D633B846F1}">
-                <asvg:svgBlip xmlns:asvg="http://schemas.microsoft.com/office/drawing/2016/SVG/main" r:embed="rId16"/>
+                <asvg:svgBlip xmlns:asvg="http://schemas.microsoft.com/office/drawing/2016/SVG/main" r:embed="rId15"/>
               </a:ext>
             </a:extLst>
           </a:blip>
@@ -12975,7 +12831,7 @@
       <p:pic>
         <p:nvPicPr>
           <p:cNvPr id="132" name="Graphic 131" descr="Chat">
-            <a:hlinkClick r:id="rId4" action="ppaction://hlinksldjump"/>
+            <a:hlinkClick r:id="rId3" action="ppaction://hlinksldjump"/>
             <a:extLst>
               <a:ext uri="{FF2B5EF4-FFF2-40B4-BE49-F238E27FC236}">
                 <a16:creationId xmlns:a16="http://schemas.microsoft.com/office/drawing/2014/main" id="{FB52E752-D7E4-4C8D-8701-96AF214C9EF9}"/>
@@ -12988,13 +12844,13 @@
           <p:nvPr/>
         </p:nvPicPr>
         <p:blipFill>
-          <a:blip r:embed="rId17">
+          <a:blip r:embed="rId16">
             <a:extLst>
               <a:ext uri="{28A0092B-C50C-407E-A947-70E740481C1C}">
                 <a14:useLocalDpi xmlns:a14="http://schemas.microsoft.com/office/drawing/2010/main" val="0"/>
               </a:ext>
               <a:ext uri="{96DAC541-7B7A-43D3-8B79-37D633B846F1}">
-                <asvg:svgBlip xmlns:asvg="http://schemas.microsoft.com/office/drawing/2016/SVG/main" r:embed="rId18"/>
+                <asvg:svgBlip xmlns:asvg="http://schemas.microsoft.com/office/drawing/2016/SVG/main" r:embed="rId17"/>
               </a:ext>
             </a:extLst>
           </a:blip>
@@ -13015,7 +12871,7 @@
       <p:pic>
         <p:nvPicPr>
           <p:cNvPr id="133" name="Graphic 132" descr="Internet">
-            <a:hlinkClick r:id="rId8" action="ppaction://hlinksldjump"/>
+            <a:hlinkClick r:id="rId7" action="ppaction://hlinksldjump"/>
             <a:extLst>
               <a:ext uri="{FF2B5EF4-FFF2-40B4-BE49-F238E27FC236}">
                 <a16:creationId xmlns:a16="http://schemas.microsoft.com/office/drawing/2014/main" id="{A3F36CF7-8140-4678-A63A-52C4BBD8AA84}"/>
@@ -13028,13 +12884,13 @@
           <p:nvPr/>
         </p:nvPicPr>
         <p:blipFill>
-          <a:blip r:embed="rId19">
+          <a:blip r:embed="rId18">
             <a:extLst>
               <a:ext uri="{28A0092B-C50C-407E-A947-70E740481C1C}">
                 <a14:useLocalDpi xmlns:a14="http://schemas.microsoft.com/office/drawing/2010/main" val="0"/>
               </a:ext>
               <a:ext uri="{96DAC541-7B7A-43D3-8B79-37D633B846F1}">
-                <asvg:svgBlip xmlns:asvg="http://schemas.microsoft.com/office/drawing/2016/SVG/main" r:embed="rId20"/>
+                <asvg:svgBlip xmlns:asvg="http://schemas.microsoft.com/office/drawing/2016/SVG/main" r:embed="rId19"/>
               </a:ext>
             </a:extLst>
           </a:blip>
@@ -13116,7 +12972,7 @@
           <p:nvPr/>
         </p:nvPicPr>
         <p:blipFill>
-          <a:blip r:embed="rId21">
+          <a:blip r:embed="rId20">
             <a:extLst>
               <a:ext uri="{28A0092B-C50C-407E-A947-70E740481C1C}">
                 <a14:useLocalDpi xmlns:a14="http://schemas.microsoft.com/office/drawing/2010/main" val="0"/>
@@ -13148,69 +13004,6 @@
           </a:extLst>
         </p:spPr>
       </p:pic>
-      <p:graphicFrame>
-        <p:nvGraphicFramePr>
-          <p:cNvPr id="5" name="Object 4">
-            <a:extLst>
-              <a:ext uri="{FF2B5EF4-FFF2-40B4-BE49-F238E27FC236}">
-                <a16:creationId xmlns:a16="http://schemas.microsoft.com/office/drawing/2014/main" id="{D75EDC37-743E-4778-A11A-BE8485E1BAC5}"/>
-              </a:ext>
-            </a:extLst>
-          </p:cNvPr>
-          <p:cNvGraphicFramePr>
-            <a:graphicFrameLocks noChangeAspect="1"/>
-          </p:cNvGraphicFramePr>
-          <p:nvPr>
-            <p:extLst>
-              <p:ext uri="{D42A27DB-BD31-4B8C-83A1-F6EECF244321}">
-                <p14:modId xmlns:p14="http://schemas.microsoft.com/office/powerpoint/2010/main" val="1481572447"/>
-              </p:ext>
-            </p:extLst>
-          </p:nvPr>
-        </p:nvGraphicFramePr>
-        <p:xfrm>
-          <a:off x="-3175" y="6618288"/>
-          <a:ext cx="3600450" cy="276225"/>
-        </p:xfrm>
-        <a:graphic>
-          <a:graphicData uri="http://schemas.openxmlformats.org/presentationml/2006/ole">
-            <mc:AlternateContent xmlns:mc="http://schemas.openxmlformats.org/markup-compatibility/2006">
-              <mc:Choice xmlns:v="urn:schemas-microsoft-com:vml" Requires="v">
-                <p:oleObj spid="_x0000_s4167" name="Worksheet" r:id="rId22" imgW="3848174" imgH="271494" progId="Excel.Sheet.12">
-                  <p:link updateAutomatic="1"/>
-                </p:oleObj>
-              </mc:Choice>
-              <mc:Fallback>
-                <p:oleObj name="Worksheet" r:id="rId22" imgW="3848174" imgH="271494" progId="Excel.Sheet.12">
-                  <p:link updateAutomatic="1"/>
-                  <p:pic>
-                    <p:nvPicPr>
-                      <p:cNvPr id="0" name=""/>
-                      <p:cNvPicPr/>
-                      <p:nvPr/>
-                    </p:nvPicPr>
-                    <p:blipFill>
-                      <a:blip r:embed="rId23"/>
-                      <a:stretch>
-                        <a:fillRect/>
-                      </a:stretch>
-                    </p:blipFill>
-                    <p:spPr>
-                      <a:xfrm>
-                        <a:off x="-3175" y="6618288"/>
-                        <a:ext cx="3600450" cy="276225"/>
-                      </a:xfrm>
-                      <a:prstGeom prst="rect">
-                        <a:avLst/>
-                      </a:prstGeom>
-                    </p:spPr>
-                  </p:pic>
-                </p:oleObj>
-              </mc:Fallback>
-            </mc:AlternateContent>
-          </a:graphicData>
-        </a:graphic>
-      </p:graphicFrame>
       <p:sp>
         <p:nvSpPr>
           <p:cNvPr id="30" name="TextBox 29">
@@ -14149,76 +13942,6 @@
       </p:grpSp>
       <p:sp>
         <p:nvSpPr>
-          <p:cNvPr id="6" name="TextBox 5">
-            <a:extLst>
-              <a:ext uri="{FF2B5EF4-FFF2-40B4-BE49-F238E27FC236}">
-                <a16:creationId xmlns:a16="http://schemas.microsoft.com/office/drawing/2014/main" id="{1D389C95-7C17-2942-9B8A-7C42562F967E}"/>
-              </a:ext>
-            </a:extLst>
-          </p:cNvPr>
-          <p:cNvSpPr txBox="1"/>
-          <p:nvPr/>
-        </p:nvSpPr>
-        <p:spPr>
-          <a:xfrm>
-            <a:off x="4308549" y="6575644"/>
-            <a:ext cx="2424354" cy="261610"/>
-          </a:xfrm>
-          <a:prstGeom prst="rect">
-            <a:avLst/>
-          </a:prstGeom>
-          <a:noFill/>
-        </p:spPr>
-        <p:txBody>
-          <a:bodyPr wrap="square" rtlCol="0">
-            <a:spAutoFit/>
-          </a:bodyPr>
-          <a:lstStyle/>
-          <a:p>
-            <a:r>
-              <a:rPr lang="en-US" sz="1100" dirty="0"/>
-              <a:t>Days between first and last observation</a:t>
-            </a:r>
-          </a:p>
-        </p:txBody>
-      </p:sp>
-      <p:sp>
-        <p:nvSpPr>
-          <p:cNvPr id="57" name="TextBox 56">
-            <a:extLst>
-              <a:ext uri="{FF2B5EF4-FFF2-40B4-BE49-F238E27FC236}">
-                <a16:creationId xmlns:a16="http://schemas.microsoft.com/office/drawing/2014/main" id="{8B94A59F-F365-0748-9C81-2AFE9EF8ADDD}"/>
-              </a:ext>
-            </a:extLst>
-          </p:cNvPr>
-          <p:cNvSpPr txBox="1"/>
-          <p:nvPr/>
-        </p:nvSpPr>
-        <p:spPr>
-          <a:xfrm rot="16200000">
-            <a:off x="2412574" y="5226142"/>
-            <a:ext cx="1405453" cy="261610"/>
-          </a:xfrm>
-          <a:prstGeom prst="rect">
-            <a:avLst/>
-          </a:prstGeom>
-          <a:noFill/>
-        </p:spPr>
-        <p:txBody>
-          <a:bodyPr wrap="square" rtlCol="0">
-            <a:spAutoFit/>
-          </a:bodyPr>
-          <a:lstStyle/>
-          <a:p>
-            <a:r>
-              <a:rPr lang="en-US" sz="1100" dirty="0"/>
-              <a:t>Association count</a:t>
-            </a:r>
-          </a:p>
-        </p:txBody>
-      </p:sp>
-      <p:sp>
-        <p:nvSpPr>
           <p:cNvPr id="10" name="TextBox 9">
             <a:extLst>
               <a:ext uri="{FF2B5EF4-FFF2-40B4-BE49-F238E27FC236}">
@@ -14257,146 +13980,6 @@
                 </a:solidFill>
               </a:rPr>
               <a:t>&lt;Metric Feed Here&gt;</a:t>
-            </a:r>
-          </a:p>
-        </p:txBody>
-      </p:sp>
-      <p:sp>
-        <p:nvSpPr>
-          <p:cNvPr id="58" name="TextBox 57">
-            <a:extLst>
-              <a:ext uri="{FF2B5EF4-FFF2-40B4-BE49-F238E27FC236}">
-                <a16:creationId xmlns:a16="http://schemas.microsoft.com/office/drawing/2014/main" id="{297CA726-A5CA-864D-8D43-C7B2C527EA5A}"/>
-              </a:ext>
-            </a:extLst>
-          </p:cNvPr>
-          <p:cNvSpPr txBox="1"/>
-          <p:nvPr/>
-        </p:nvSpPr>
-        <p:spPr>
-          <a:xfrm>
-            <a:off x="8890628" y="6570245"/>
-            <a:ext cx="2424354" cy="261610"/>
-          </a:xfrm>
-          <a:prstGeom prst="rect">
-            <a:avLst/>
-          </a:prstGeom>
-          <a:noFill/>
-        </p:spPr>
-        <p:txBody>
-          <a:bodyPr wrap="square" rtlCol="0">
-            <a:spAutoFit/>
-          </a:bodyPr>
-          <a:lstStyle/>
-          <a:p>
-            <a:r>
-              <a:rPr lang="en-US" sz="1100" dirty="0"/>
-              <a:t>Days between first and last observation</a:t>
-            </a:r>
-          </a:p>
-        </p:txBody>
-      </p:sp>
-      <p:sp>
-        <p:nvSpPr>
-          <p:cNvPr id="59" name="TextBox 58">
-            <a:extLst>
-              <a:ext uri="{FF2B5EF4-FFF2-40B4-BE49-F238E27FC236}">
-                <a16:creationId xmlns:a16="http://schemas.microsoft.com/office/drawing/2014/main" id="{EB4D597E-37BB-1E4C-9F85-633E8DB2BAF5}"/>
-              </a:ext>
-            </a:extLst>
-          </p:cNvPr>
-          <p:cNvSpPr txBox="1"/>
-          <p:nvPr/>
-        </p:nvSpPr>
-        <p:spPr>
-          <a:xfrm rot="16200000">
-            <a:off x="6994653" y="5220743"/>
-            <a:ext cx="1405453" cy="261610"/>
-          </a:xfrm>
-          <a:prstGeom prst="rect">
-            <a:avLst/>
-          </a:prstGeom>
-          <a:noFill/>
-        </p:spPr>
-        <p:txBody>
-          <a:bodyPr wrap="square" rtlCol="0">
-            <a:spAutoFit/>
-          </a:bodyPr>
-          <a:lstStyle/>
-          <a:p>
-            <a:r>
-              <a:rPr lang="en-US" sz="1100" dirty="0"/>
-              <a:t>Association count</a:t>
-            </a:r>
-          </a:p>
-        </p:txBody>
-      </p:sp>
-      <p:sp>
-        <p:nvSpPr>
-          <p:cNvPr id="60" name="TextBox 59">
-            <a:extLst>
-              <a:ext uri="{FF2B5EF4-FFF2-40B4-BE49-F238E27FC236}">
-                <a16:creationId xmlns:a16="http://schemas.microsoft.com/office/drawing/2014/main" id="{6F71ACDF-942B-404C-873F-AE6F5C9153DF}"/>
-              </a:ext>
-            </a:extLst>
-          </p:cNvPr>
-          <p:cNvSpPr txBox="1"/>
-          <p:nvPr/>
-        </p:nvSpPr>
-        <p:spPr>
-          <a:xfrm>
-            <a:off x="4416378" y="1450613"/>
-            <a:ext cx="1405453" cy="261610"/>
-          </a:xfrm>
-          <a:prstGeom prst="rect">
-            <a:avLst/>
-          </a:prstGeom>
-          <a:noFill/>
-        </p:spPr>
-        <p:txBody>
-          <a:bodyPr wrap="square" rtlCol="0">
-            <a:spAutoFit/>
-          </a:bodyPr>
-          <a:lstStyle/>
-          <a:p>
-            <a:r>
-              <a:rPr lang="en-US" sz="1100" dirty="0"/>
-              <a:t>Association count</a:t>
-            </a:r>
-          </a:p>
-        </p:txBody>
-      </p:sp>
-      <p:sp>
-        <p:nvSpPr>
-          <p:cNvPr id="61" name="TextBox 60">
-            <a:extLst>
-              <a:ext uri="{FF2B5EF4-FFF2-40B4-BE49-F238E27FC236}">
-                <a16:creationId xmlns:a16="http://schemas.microsoft.com/office/drawing/2014/main" id="{9D9A9BD5-52DE-3F40-BBAC-2B3719956CD8}"/>
-              </a:ext>
-            </a:extLst>
-          </p:cNvPr>
-          <p:cNvSpPr txBox="1"/>
-          <p:nvPr/>
-        </p:nvSpPr>
-        <p:spPr>
-          <a:xfrm>
-            <a:off x="9228175" y="1450613"/>
-            <a:ext cx="1405453" cy="261610"/>
-          </a:xfrm>
-          <a:prstGeom prst="rect">
-            <a:avLst/>
-          </a:prstGeom>
-          <a:noFill/>
-        </p:spPr>
-        <p:txBody>
-          <a:bodyPr wrap="square" rtlCol="0">
-            <a:spAutoFit/>
-          </a:bodyPr>
-          <a:lstStyle/>
-          <a:p>
-            <a:r>
-              <a:rPr lang="en-US" sz="1100" dirty="0"/>
-              <a:t>Association count</a:t>
             </a:r>
           </a:p>
         </p:txBody>
@@ -14703,7 +14286,7 @@
       <p:sp>
         <p:nvSpPr>
           <p:cNvPr id="92" name="Hexagon 91">
-            <a:hlinkClick r:id="rId3" action="ppaction://hlinksldjump"/>
+            <a:hlinkClick r:id="rId2" action="ppaction://hlinksldjump"/>
             <a:extLst>
               <a:ext uri="{FF2B5EF4-FFF2-40B4-BE49-F238E27FC236}">
                 <a16:creationId xmlns:a16="http://schemas.microsoft.com/office/drawing/2014/main" id="{59D3143A-7544-479C-B4DF-B84BDBB0B6B0}"/>
@@ -14758,7 +14341,7 @@
       <p:sp>
         <p:nvSpPr>
           <p:cNvPr id="93" name="Hexagon 92">
-            <a:hlinkClick r:id="rId4" action="ppaction://hlinksldjump"/>
+            <a:hlinkClick r:id="rId3" action="ppaction://hlinksldjump"/>
             <a:extLst>
               <a:ext uri="{FF2B5EF4-FFF2-40B4-BE49-F238E27FC236}">
                 <a16:creationId xmlns:a16="http://schemas.microsoft.com/office/drawing/2014/main" id="{C4631757-D1F9-4AFC-A102-0F3666D05DD6}"/>
@@ -14863,7 +14446,7 @@
       <p:sp>
         <p:nvSpPr>
           <p:cNvPr id="88" name="Hexagon 87">
-            <a:hlinkClick r:id="rId5" action="ppaction://hlinksldjump"/>
+            <a:hlinkClick r:id="rId4" action="ppaction://hlinksldjump"/>
             <a:extLst>
               <a:ext uri="{FF2B5EF4-FFF2-40B4-BE49-F238E27FC236}">
                 <a16:creationId xmlns:a16="http://schemas.microsoft.com/office/drawing/2014/main" id="{17FB9835-CDBD-4290-9344-B88CF82F8B4D}"/>
@@ -14916,7 +14499,7 @@
       <p:sp>
         <p:nvSpPr>
           <p:cNvPr id="89" name="Hexagon 88">
-            <a:hlinkClick r:id="rId6" action="ppaction://hlinksldjump"/>
+            <a:hlinkClick r:id="rId5" action="ppaction://hlinksldjump"/>
             <a:extLst>
               <a:ext uri="{FF2B5EF4-FFF2-40B4-BE49-F238E27FC236}">
                 <a16:creationId xmlns:a16="http://schemas.microsoft.com/office/drawing/2014/main" id="{EDC34703-1864-40F2-BB11-529FA1F15798}"/>
@@ -14969,7 +14552,7 @@
       <p:sp>
         <p:nvSpPr>
           <p:cNvPr id="90" name="Hexagon 89">
-            <a:hlinkClick r:id="rId7" action="ppaction://hlinksldjump"/>
+            <a:hlinkClick r:id="rId6" action="ppaction://hlinksldjump"/>
             <a:extLst>
               <a:ext uri="{FF2B5EF4-FFF2-40B4-BE49-F238E27FC236}">
                 <a16:creationId xmlns:a16="http://schemas.microsoft.com/office/drawing/2014/main" id="{E684626D-8018-41DA-B625-7CF3B167C7A0}"/>
@@ -15022,7 +14605,7 @@
       <p:sp>
         <p:nvSpPr>
           <p:cNvPr id="91" name="Hexagon 90">
-            <a:hlinkClick r:id="rId8" action="ppaction://hlinksldjump"/>
+            <a:hlinkClick r:id="rId7" action="ppaction://hlinksldjump"/>
             <a:extLst>
               <a:ext uri="{FF2B5EF4-FFF2-40B4-BE49-F238E27FC236}">
                 <a16:creationId xmlns:a16="http://schemas.microsoft.com/office/drawing/2014/main" id="{A1E50A24-0A6C-4265-A6D9-9F9899122645}"/>
@@ -15115,7 +14698,7 @@
       <p:pic>
         <p:nvPicPr>
           <p:cNvPr id="139" name="Graphic 138" descr="Presentation with checklist">
-            <a:hlinkClick r:id="rId5" action="ppaction://hlinksldjump"/>
+            <a:hlinkClick r:id="rId4" action="ppaction://hlinksldjump"/>
             <a:extLst>
               <a:ext uri="{FF2B5EF4-FFF2-40B4-BE49-F238E27FC236}">
                 <a16:creationId xmlns:a16="http://schemas.microsoft.com/office/drawing/2014/main" id="{8805F9A0-72CD-4CBB-BE31-E44518DE7B2E}"/>
@@ -15128,13 +14711,13 @@
           <p:nvPr/>
         </p:nvPicPr>
         <p:blipFill>
-          <a:blip r:embed="rId9">
+          <a:blip r:embed="rId8">
             <a:extLst>
               <a:ext uri="{28A0092B-C50C-407E-A947-70E740481C1C}">
                 <a14:useLocalDpi xmlns:a14="http://schemas.microsoft.com/office/drawing/2010/main" val="0"/>
               </a:ext>
               <a:ext uri="{96DAC541-7B7A-43D3-8B79-37D633B846F1}">
-                <asvg:svgBlip xmlns:asvg="http://schemas.microsoft.com/office/drawing/2016/SVG/main" r:embed="rId10"/>
+                <asvg:svgBlip xmlns:asvg="http://schemas.microsoft.com/office/drawing/2016/SVG/main" r:embed="rId9"/>
               </a:ext>
             </a:extLst>
           </a:blip>
@@ -15155,7 +14738,7 @@
       <p:pic>
         <p:nvPicPr>
           <p:cNvPr id="140" name="Graphic 139" descr="Employee badge">
-            <a:hlinkClick r:id="rId6" action="ppaction://hlinksldjump"/>
+            <a:hlinkClick r:id="rId5" action="ppaction://hlinksldjump"/>
             <a:extLst>
               <a:ext uri="{FF2B5EF4-FFF2-40B4-BE49-F238E27FC236}">
                 <a16:creationId xmlns:a16="http://schemas.microsoft.com/office/drawing/2014/main" id="{0086B273-C6F3-401A-BD10-27B65B4FCC32}"/>
@@ -15168,13 +14751,13 @@
           <p:nvPr/>
         </p:nvPicPr>
         <p:blipFill>
-          <a:blip r:embed="rId11">
+          <a:blip r:embed="rId10">
             <a:extLst>
               <a:ext uri="{28A0092B-C50C-407E-A947-70E740481C1C}">
                 <a14:useLocalDpi xmlns:a14="http://schemas.microsoft.com/office/drawing/2010/main" val="0"/>
               </a:ext>
               <a:ext uri="{96DAC541-7B7A-43D3-8B79-37D633B846F1}">
-                <asvg:svgBlip xmlns:asvg="http://schemas.microsoft.com/office/drawing/2016/SVG/main" r:embed="rId12"/>
+                <asvg:svgBlip xmlns:asvg="http://schemas.microsoft.com/office/drawing/2016/SVG/main" r:embed="rId11"/>
               </a:ext>
             </a:extLst>
           </a:blip>
@@ -15195,7 +14778,7 @@
       <p:pic>
         <p:nvPicPr>
           <p:cNvPr id="141" name="Graphic 140" descr="Web design">
-            <a:hlinkClick r:id="rId4" action="ppaction://hlinksldjump"/>
+            <a:hlinkClick r:id="rId3" action="ppaction://hlinksldjump"/>
             <a:extLst>
               <a:ext uri="{FF2B5EF4-FFF2-40B4-BE49-F238E27FC236}">
                 <a16:creationId xmlns:a16="http://schemas.microsoft.com/office/drawing/2014/main" id="{51C08C4F-3D58-4440-B51A-E30D5ABCD2E3}"/>
@@ -15208,13 +14791,13 @@
           <p:nvPr/>
         </p:nvPicPr>
         <p:blipFill>
-          <a:blip r:embed="rId13">
+          <a:blip r:embed="rId12">
             <a:extLst>
               <a:ext uri="{28A0092B-C50C-407E-A947-70E740481C1C}">
                 <a14:useLocalDpi xmlns:a14="http://schemas.microsoft.com/office/drawing/2010/main" val="0"/>
               </a:ext>
               <a:ext uri="{96DAC541-7B7A-43D3-8B79-37D633B846F1}">
-                <asvg:svgBlip xmlns:asvg="http://schemas.microsoft.com/office/drawing/2016/SVG/main" r:embed="rId14"/>
+                <asvg:svgBlip xmlns:asvg="http://schemas.microsoft.com/office/drawing/2016/SVG/main" r:embed="rId13"/>
               </a:ext>
             </a:extLst>
           </a:blip>
@@ -15235,7 +14818,7 @@
       <p:pic>
         <p:nvPicPr>
           <p:cNvPr id="142" name="Graphic 141" descr="Server">
-            <a:hlinkClick r:id="rId8" action="ppaction://hlinksldjump"/>
+            <a:hlinkClick r:id="rId7" action="ppaction://hlinksldjump"/>
             <a:extLst>
               <a:ext uri="{FF2B5EF4-FFF2-40B4-BE49-F238E27FC236}">
                 <a16:creationId xmlns:a16="http://schemas.microsoft.com/office/drawing/2014/main" id="{4CC2DA1E-DBC1-4736-B906-2B86CA2D29FA}"/>
@@ -15248,13 +14831,13 @@
           <p:nvPr/>
         </p:nvPicPr>
         <p:blipFill>
-          <a:blip r:embed="rId15">
+          <a:blip r:embed="rId14">
             <a:extLst>
               <a:ext uri="{28A0092B-C50C-407E-A947-70E740481C1C}">
                 <a14:useLocalDpi xmlns:a14="http://schemas.microsoft.com/office/drawing/2010/main" val="0"/>
               </a:ext>
               <a:ext uri="{96DAC541-7B7A-43D3-8B79-37D633B846F1}">
-                <asvg:svgBlip xmlns:asvg="http://schemas.microsoft.com/office/drawing/2016/SVG/main" r:embed="rId16"/>
+                <asvg:svgBlip xmlns:asvg="http://schemas.microsoft.com/office/drawing/2016/SVG/main" r:embed="rId15"/>
               </a:ext>
             </a:extLst>
           </a:blip>
@@ -15274,7 +14857,7 @@
       <p:pic>
         <p:nvPicPr>
           <p:cNvPr id="143" name="Graphic 142" descr="Chat">
-            <a:hlinkClick r:id="rId3" action="ppaction://hlinksldjump"/>
+            <a:hlinkClick r:id="rId2" action="ppaction://hlinksldjump"/>
             <a:extLst>
               <a:ext uri="{FF2B5EF4-FFF2-40B4-BE49-F238E27FC236}">
                 <a16:creationId xmlns:a16="http://schemas.microsoft.com/office/drawing/2014/main" id="{CF8690EB-F639-47DA-8335-248B4EAABEFC}"/>
@@ -15287,13 +14870,13 @@
           <p:nvPr/>
         </p:nvPicPr>
         <p:blipFill>
-          <a:blip r:embed="rId17">
+          <a:blip r:embed="rId16">
             <a:extLst>
               <a:ext uri="{28A0092B-C50C-407E-A947-70E740481C1C}">
                 <a14:useLocalDpi xmlns:a14="http://schemas.microsoft.com/office/drawing/2010/main" val="0"/>
               </a:ext>
               <a:ext uri="{96DAC541-7B7A-43D3-8B79-37D633B846F1}">
-                <asvg:svgBlip xmlns:asvg="http://schemas.microsoft.com/office/drawing/2016/SVG/main" r:embed="rId18"/>
+                <asvg:svgBlip xmlns:asvg="http://schemas.microsoft.com/office/drawing/2016/SVG/main" r:embed="rId17"/>
               </a:ext>
             </a:extLst>
           </a:blip>
@@ -15314,7 +14897,7 @@
       <p:pic>
         <p:nvPicPr>
           <p:cNvPr id="144" name="Graphic 143" descr="Internet">
-            <a:hlinkClick r:id="rId7" action="ppaction://hlinksldjump"/>
+            <a:hlinkClick r:id="rId6" action="ppaction://hlinksldjump"/>
             <a:extLst>
               <a:ext uri="{FF2B5EF4-FFF2-40B4-BE49-F238E27FC236}">
                 <a16:creationId xmlns:a16="http://schemas.microsoft.com/office/drawing/2014/main" id="{541B965C-1A54-4F63-A8D9-E7ACB76780CE}"/>
@@ -15327,13 +14910,13 @@
           <p:nvPr/>
         </p:nvPicPr>
         <p:blipFill>
-          <a:blip r:embed="rId19">
+          <a:blip r:embed="rId18">
             <a:extLst>
               <a:ext uri="{28A0092B-C50C-407E-A947-70E740481C1C}">
                 <a14:useLocalDpi xmlns:a14="http://schemas.microsoft.com/office/drawing/2010/main" val="0"/>
               </a:ext>
               <a:ext uri="{96DAC541-7B7A-43D3-8B79-37D633B846F1}">
-                <asvg:svgBlip xmlns:asvg="http://schemas.microsoft.com/office/drawing/2016/SVG/main" r:embed="rId20"/>
+                <asvg:svgBlip xmlns:asvg="http://schemas.microsoft.com/office/drawing/2016/SVG/main" r:embed="rId19"/>
               </a:ext>
             </a:extLst>
           </a:blip>
@@ -15415,7 +14998,7 @@
           <p:nvPr/>
         </p:nvPicPr>
         <p:blipFill>
-          <a:blip r:embed="rId21">
+          <a:blip r:embed="rId20">
             <a:extLst>
               <a:ext uri="{28A0092B-C50C-407E-A947-70E740481C1C}">
                 <a14:useLocalDpi xmlns:a14="http://schemas.microsoft.com/office/drawing/2010/main" val="0"/>
@@ -15447,69 +15030,6 @@
           </a:extLst>
         </p:spPr>
       </p:pic>
-      <p:graphicFrame>
-        <p:nvGraphicFramePr>
-          <p:cNvPr id="4" name="Object 3">
-            <a:extLst>
-              <a:ext uri="{FF2B5EF4-FFF2-40B4-BE49-F238E27FC236}">
-                <a16:creationId xmlns:a16="http://schemas.microsoft.com/office/drawing/2014/main" id="{886127F2-A585-4C37-9506-9866A3B5015B}"/>
-              </a:ext>
-            </a:extLst>
-          </p:cNvPr>
-          <p:cNvGraphicFramePr>
-            <a:graphicFrameLocks noChangeAspect="1"/>
-          </p:cNvGraphicFramePr>
-          <p:nvPr>
-            <p:extLst>
-              <p:ext uri="{D42A27DB-BD31-4B8C-83A1-F6EECF244321}">
-                <p14:modId xmlns:p14="http://schemas.microsoft.com/office/powerpoint/2010/main" val="2440197986"/>
-              </p:ext>
-            </p:extLst>
-          </p:nvPr>
-        </p:nvGraphicFramePr>
-        <p:xfrm>
-          <a:off x="-3175" y="6618288"/>
-          <a:ext cx="3600450" cy="276225"/>
-        </p:xfrm>
-        <a:graphic>
-          <a:graphicData uri="http://schemas.openxmlformats.org/presentationml/2006/ole">
-            <mc:AlternateContent xmlns:mc="http://schemas.openxmlformats.org/markup-compatibility/2006">
-              <mc:Choice xmlns:v="urn:schemas-microsoft-com:vml" Requires="v">
-                <p:oleObj spid="_x0000_s5190" name="Worksheet" r:id="rId22" imgW="3848174" imgH="271494" progId="Excel.Sheet.12">
-                  <p:link updateAutomatic="1"/>
-                </p:oleObj>
-              </mc:Choice>
-              <mc:Fallback>
-                <p:oleObj name="Worksheet" r:id="rId22" imgW="3848174" imgH="271494" progId="Excel.Sheet.12">
-                  <p:link updateAutomatic="1"/>
-                  <p:pic>
-                    <p:nvPicPr>
-                      <p:cNvPr id="0" name=""/>
-                      <p:cNvPicPr/>
-                      <p:nvPr/>
-                    </p:nvPicPr>
-                    <p:blipFill>
-                      <a:blip r:embed="rId23"/>
-                      <a:stretch>
-                        <a:fillRect/>
-                      </a:stretch>
-                    </p:blipFill>
-                    <p:spPr>
-                      <a:xfrm>
-                        <a:off x="-3175" y="6618288"/>
-                        <a:ext cx="3600450" cy="276225"/>
-                      </a:xfrm>
-                      <a:prstGeom prst="rect">
-                        <a:avLst/>
-                      </a:prstGeom>
-                    </p:spPr>
-                  </p:pic>
-                </p:oleObj>
-              </mc:Fallback>
-            </mc:AlternateContent>
-          </a:graphicData>
-        </a:graphic>
-      </p:graphicFrame>
       <p:cxnSp>
         <p:nvCxnSpPr>
           <p:cNvPr id="41" name="Straight Connector 40">
@@ -16052,76 +15572,6 @@
           </a:p>
         </p:txBody>
       </p:sp>
-      <p:sp>
-        <p:nvSpPr>
-          <p:cNvPr id="38" name="TextBox 37">
-            <a:extLst>
-              <a:ext uri="{FF2B5EF4-FFF2-40B4-BE49-F238E27FC236}">
-                <a16:creationId xmlns:a16="http://schemas.microsoft.com/office/drawing/2014/main" id="{5A613F1C-C038-4142-9D8E-3A3818BE86A2}"/>
-              </a:ext>
-            </a:extLst>
-          </p:cNvPr>
-          <p:cNvSpPr txBox="1"/>
-          <p:nvPr/>
-        </p:nvSpPr>
-        <p:spPr>
-          <a:xfrm rot="16200000">
-            <a:off x="2473496" y="1889770"/>
-            <a:ext cx="1405453" cy="261610"/>
-          </a:xfrm>
-          <a:prstGeom prst="rect">
-            <a:avLst/>
-          </a:prstGeom>
-          <a:noFill/>
-        </p:spPr>
-        <p:txBody>
-          <a:bodyPr wrap="square" rtlCol="0">
-            <a:spAutoFit/>
-          </a:bodyPr>
-          <a:lstStyle/>
-          <a:p>
-            <a:r>
-              <a:rPr lang="en-US" sz="1100" dirty="0"/>
-              <a:t>Mentions count</a:t>
-            </a:r>
-          </a:p>
-        </p:txBody>
-      </p:sp>
-      <p:sp>
-        <p:nvSpPr>
-          <p:cNvPr id="39" name="TextBox 38">
-            <a:extLst>
-              <a:ext uri="{FF2B5EF4-FFF2-40B4-BE49-F238E27FC236}">
-                <a16:creationId xmlns:a16="http://schemas.microsoft.com/office/drawing/2014/main" id="{1101EBAE-2212-DE43-8980-3BCF06C4B024}"/>
-              </a:ext>
-            </a:extLst>
-          </p:cNvPr>
-          <p:cNvSpPr txBox="1"/>
-          <p:nvPr/>
-        </p:nvSpPr>
-        <p:spPr>
-          <a:xfrm rot="16200000">
-            <a:off x="2615835" y="4961789"/>
-            <a:ext cx="1405453" cy="261610"/>
-          </a:xfrm>
-          <a:prstGeom prst="rect">
-            <a:avLst/>
-          </a:prstGeom>
-          <a:noFill/>
-        </p:spPr>
-        <p:txBody>
-          <a:bodyPr wrap="square" rtlCol="0">
-            <a:spAutoFit/>
-          </a:bodyPr>
-          <a:lstStyle/>
-          <a:p>
-            <a:r>
-              <a:rPr lang="en-US" sz="1100" dirty="0"/>
-              <a:t>Mentions count</a:t>
-            </a:r>
-          </a:p>
-        </p:txBody>
-      </p:sp>
     </p:spTree>
     <p:extLst>
       <p:ext uri="{BB962C8B-B14F-4D97-AF65-F5344CB8AC3E}">
@@ -16468,7 +15918,7 @@
       <p:sp>
         <p:nvSpPr>
           <p:cNvPr id="74" name="Hexagon 73">
-            <a:hlinkClick r:id="rId3" action="ppaction://hlinksldjump"/>
+            <a:hlinkClick r:id="rId2" action="ppaction://hlinksldjump"/>
             <a:extLst>
               <a:ext uri="{FF2B5EF4-FFF2-40B4-BE49-F238E27FC236}">
                 <a16:creationId xmlns:a16="http://schemas.microsoft.com/office/drawing/2014/main" id="{902058E5-37D0-489D-B966-BB211A109953}"/>
@@ -16575,7 +16025,7 @@
       <p:sp>
         <p:nvSpPr>
           <p:cNvPr id="69" name="Hexagon 68">
-            <a:hlinkClick r:id="rId4" action="ppaction://hlinksldjump"/>
+            <a:hlinkClick r:id="rId3" action="ppaction://hlinksldjump"/>
             <a:extLst>
               <a:ext uri="{FF2B5EF4-FFF2-40B4-BE49-F238E27FC236}">
                 <a16:creationId xmlns:a16="http://schemas.microsoft.com/office/drawing/2014/main" id="{33330366-9EB3-4D2E-BDA6-DAC8AD01ABE8}"/>
@@ -16628,7 +16078,7 @@
       <p:sp>
         <p:nvSpPr>
           <p:cNvPr id="70" name="Hexagon 69">
-            <a:hlinkClick r:id="rId5" action="ppaction://hlinksldjump"/>
+            <a:hlinkClick r:id="rId4" action="ppaction://hlinksldjump"/>
             <a:extLst>
               <a:ext uri="{FF2B5EF4-FFF2-40B4-BE49-F238E27FC236}">
                 <a16:creationId xmlns:a16="http://schemas.microsoft.com/office/drawing/2014/main" id="{DA5B9961-AD60-45C4-8A91-6F3CE4AF5686}"/>
@@ -16681,7 +16131,7 @@
       <p:sp>
         <p:nvSpPr>
           <p:cNvPr id="71" name="Hexagon 70">
-            <a:hlinkClick r:id="rId6" action="ppaction://hlinksldjump"/>
+            <a:hlinkClick r:id="rId5" action="ppaction://hlinksldjump"/>
             <a:extLst>
               <a:ext uri="{FF2B5EF4-FFF2-40B4-BE49-F238E27FC236}">
                 <a16:creationId xmlns:a16="http://schemas.microsoft.com/office/drawing/2014/main" id="{1452F262-7078-4745-A72F-8A454DED0155}"/>
@@ -16734,7 +16184,7 @@
       <p:sp>
         <p:nvSpPr>
           <p:cNvPr id="72" name="Hexagon 71">
-            <a:hlinkClick r:id="rId7" action="ppaction://hlinksldjump"/>
+            <a:hlinkClick r:id="rId6" action="ppaction://hlinksldjump"/>
             <a:extLst>
               <a:ext uri="{FF2B5EF4-FFF2-40B4-BE49-F238E27FC236}">
                 <a16:creationId xmlns:a16="http://schemas.microsoft.com/office/drawing/2014/main" id="{D7228416-35B4-4C80-9FE6-388FFCB543D2}"/>
@@ -16787,7 +16237,7 @@
       <p:sp>
         <p:nvSpPr>
           <p:cNvPr id="73" name="Hexagon 72">
-            <a:hlinkClick r:id="rId8" action="ppaction://hlinksldjump"/>
+            <a:hlinkClick r:id="rId7" action="ppaction://hlinksldjump"/>
             <a:extLst>
               <a:ext uri="{FF2B5EF4-FFF2-40B4-BE49-F238E27FC236}">
                 <a16:creationId xmlns:a16="http://schemas.microsoft.com/office/drawing/2014/main" id="{E920336D-EC00-48E0-A264-ED559C606C77}"/>
@@ -16891,7 +16341,7 @@
       <p:pic>
         <p:nvPicPr>
           <p:cNvPr id="55" name="Graphic 54" descr="Presentation with checklist">
-            <a:hlinkClick r:id="rId4" action="ppaction://hlinksldjump"/>
+            <a:hlinkClick r:id="rId3" action="ppaction://hlinksldjump"/>
             <a:extLst>
               <a:ext uri="{FF2B5EF4-FFF2-40B4-BE49-F238E27FC236}">
                 <a16:creationId xmlns:a16="http://schemas.microsoft.com/office/drawing/2014/main" id="{15C750A2-245C-406D-A287-AA31EACAAC06}"/>
@@ -16904,13 +16354,13 @@
           <p:nvPr/>
         </p:nvPicPr>
         <p:blipFill>
-          <a:blip r:embed="rId9">
+          <a:blip r:embed="rId8">
             <a:extLst>
               <a:ext uri="{28A0092B-C50C-407E-A947-70E740481C1C}">
                 <a14:useLocalDpi xmlns:a14="http://schemas.microsoft.com/office/drawing/2010/main" val="0"/>
               </a:ext>
               <a:ext uri="{96DAC541-7B7A-43D3-8B79-37D633B846F1}">
-                <asvg:svgBlip xmlns:asvg="http://schemas.microsoft.com/office/drawing/2016/SVG/main" r:embed="rId10"/>
+                <asvg:svgBlip xmlns:asvg="http://schemas.microsoft.com/office/drawing/2016/SVG/main" r:embed="rId9"/>
               </a:ext>
             </a:extLst>
           </a:blip>
@@ -16931,7 +16381,7 @@
       <p:pic>
         <p:nvPicPr>
           <p:cNvPr id="56" name="Graphic 55" descr="Employee badge">
-            <a:hlinkClick r:id="rId5" action="ppaction://hlinksldjump"/>
+            <a:hlinkClick r:id="rId4" action="ppaction://hlinksldjump"/>
             <a:extLst>
               <a:ext uri="{FF2B5EF4-FFF2-40B4-BE49-F238E27FC236}">
                 <a16:creationId xmlns:a16="http://schemas.microsoft.com/office/drawing/2014/main" id="{E2343F7D-2715-4573-8EC6-78F75E78D5BA}"/>
@@ -16944,13 +16394,13 @@
           <p:nvPr/>
         </p:nvPicPr>
         <p:blipFill>
-          <a:blip r:embed="rId11">
+          <a:blip r:embed="rId10">
             <a:extLst>
               <a:ext uri="{28A0092B-C50C-407E-A947-70E740481C1C}">
                 <a14:useLocalDpi xmlns:a14="http://schemas.microsoft.com/office/drawing/2010/main" val="0"/>
               </a:ext>
               <a:ext uri="{96DAC541-7B7A-43D3-8B79-37D633B846F1}">
-                <asvg:svgBlip xmlns:asvg="http://schemas.microsoft.com/office/drawing/2016/SVG/main" r:embed="rId12"/>
+                <asvg:svgBlip xmlns:asvg="http://schemas.microsoft.com/office/drawing/2016/SVG/main" r:embed="rId11"/>
               </a:ext>
             </a:extLst>
           </a:blip>
@@ -16971,7 +16421,7 @@
       <p:pic>
         <p:nvPicPr>
           <p:cNvPr id="57" name="Graphic 56" descr="Web design">
-            <a:hlinkClick r:id="rId3" action="ppaction://hlinksldjump"/>
+            <a:hlinkClick r:id="rId2" action="ppaction://hlinksldjump"/>
             <a:extLst>
               <a:ext uri="{FF2B5EF4-FFF2-40B4-BE49-F238E27FC236}">
                 <a16:creationId xmlns:a16="http://schemas.microsoft.com/office/drawing/2014/main" id="{B44463C6-0DBA-4F7A-AC41-2F20255BFAB4}"/>
@@ -16984,13 +16434,13 @@
           <p:nvPr/>
         </p:nvPicPr>
         <p:blipFill>
-          <a:blip r:embed="rId13">
+          <a:blip r:embed="rId12">
             <a:extLst>
               <a:ext uri="{28A0092B-C50C-407E-A947-70E740481C1C}">
                 <a14:useLocalDpi xmlns:a14="http://schemas.microsoft.com/office/drawing/2010/main" val="0"/>
               </a:ext>
               <a:ext uri="{96DAC541-7B7A-43D3-8B79-37D633B846F1}">
-                <asvg:svgBlip xmlns:asvg="http://schemas.microsoft.com/office/drawing/2016/SVG/main" r:embed="rId14"/>
+                <asvg:svgBlip xmlns:asvg="http://schemas.microsoft.com/office/drawing/2016/SVG/main" r:embed="rId13"/>
               </a:ext>
             </a:extLst>
           </a:blip>
@@ -17011,7 +16461,7 @@
       <p:pic>
         <p:nvPicPr>
           <p:cNvPr id="58" name="Graphic 57" descr="Server">
-            <a:hlinkClick r:id="rId7" action="ppaction://hlinksldjump"/>
+            <a:hlinkClick r:id="rId6" action="ppaction://hlinksldjump"/>
             <a:extLst>
               <a:ext uri="{FF2B5EF4-FFF2-40B4-BE49-F238E27FC236}">
                 <a16:creationId xmlns:a16="http://schemas.microsoft.com/office/drawing/2014/main" id="{10CC6E50-A162-4264-A82C-344CE54965DD}"/>
@@ -17024,13 +16474,13 @@
           <p:nvPr/>
         </p:nvPicPr>
         <p:blipFill>
-          <a:blip r:embed="rId15">
+          <a:blip r:embed="rId14">
             <a:extLst>
               <a:ext uri="{28A0092B-C50C-407E-A947-70E740481C1C}">
                 <a14:useLocalDpi xmlns:a14="http://schemas.microsoft.com/office/drawing/2010/main" val="0"/>
               </a:ext>
               <a:ext uri="{96DAC541-7B7A-43D3-8B79-37D633B846F1}">
-                <asvg:svgBlip xmlns:asvg="http://schemas.microsoft.com/office/drawing/2016/SVG/main" r:embed="rId16"/>
+                <asvg:svgBlip xmlns:asvg="http://schemas.microsoft.com/office/drawing/2016/SVG/main" r:embed="rId15"/>
               </a:ext>
             </a:extLst>
           </a:blip>
@@ -17050,7 +16500,7 @@
       <p:pic>
         <p:nvPicPr>
           <p:cNvPr id="62" name="Graphic 61" descr="Chat">
-            <a:hlinkClick r:id="rId8" action="ppaction://hlinksldjump"/>
+            <a:hlinkClick r:id="rId7" action="ppaction://hlinksldjump"/>
             <a:extLst>
               <a:ext uri="{FF2B5EF4-FFF2-40B4-BE49-F238E27FC236}">
                 <a16:creationId xmlns:a16="http://schemas.microsoft.com/office/drawing/2014/main" id="{C38CBE52-45BB-4F57-930B-23390D118283}"/>
@@ -17063,13 +16513,13 @@
           <p:nvPr/>
         </p:nvPicPr>
         <p:blipFill>
-          <a:blip r:embed="rId17">
+          <a:blip r:embed="rId16">
             <a:extLst>
               <a:ext uri="{28A0092B-C50C-407E-A947-70E740481C1C}">
                 <a14:useLocalDpi xmlns:a14="http://schemas.microsoft.com/office/drawing/2010/main" val="0"/>
               </a:ext>
               <a:ext uri="{96DAC541-7B7A-43D3-8B79-37D633B846F1}">
-                <asvg:svgBlip xmlns:asvg="http://schemas.microsoft.com/office/drawing/2016/SVG/main" r:embed="rId18"/>
+                <asvg:svgBlip xmlns:asvg="http://schemas.microsoft.com/office/drawing/2016/SVG/main" r:embed="rId17"/>
               </a:ext>
             </a:extLst>
           </a:blip>
@@ -17090,7 +16540,7 @@
       <p:pic>
         <p:nvPicPr>
           <p:cNvPr id="68" name="Graphic 67" descr="Internet">
-            <a:hlinkClick r:id="rId6" action="ppaction://hlinksldjump"/>
+            <a:hlinkClick r:id="rId5" action="ppaction://hlinksldjump"/>
             <a:extLst>
               <a:ext uri="{FF2B5EF4-FFF2-40B4-BE49-F238E27FC236}">
                 <a16:creationId xmlns:a16="http://schemas.microsoft.com/office/drawing/2014/main" id="{3E8116A9-1823-4A84-8B6E-C3A2839C5A47}"/>
@@ -17103,13 +16553,13 @@
           <p:nvPr/>
         </p:nvPicPr>
         <p:blipFill>
-          <a:blip r:embed="rId19">
+          <a:blip r:embed="rId18">
             <a:extLst>
               <a:ext uri="{28A0092B-C50C-407E-A947-70E740481C1C}">
                 <a14:useLocalDpi xmlns:a14="http://schemas.microsoft.com/office/drawing/2010/main" val="0"/>
               </a:ext>
               <a:ext uri="{96DAC541-7B7A-43D3-8B79-37D633B846F1}">
-                <asvg:svgBlip xmlns:asvg="http://schemas.microsoft.com/office/drawing/2016/SVG/main" r:embed="rId20"/>
+                <asvg:svgBlip xmlns:asvg="http://schemas.microsoft.com/office/drawing/2016/SVG/main" r:embed="rId19"/>
               </a:ext>
             </a:extLst>
           </a:blip>
@@ -17142,7 +16592,7 @@
           <p:nvPr/>
         </p:nvPicPr>
         <p:blipFill>
-          <a:blip r:embed="rId21">
+          <a:blip r:embed="rId20">
             <a:extLst>
               <a:ext uri="{28A0092B-C50C-407E-A947-70E740481C1C}">
                 <a14:useLocalDpi xmlns:a14="http://schemas.microsoft.com/office/drawing/2010/main" val="0"/>
@@ -17174,69 +16624,6 @@
           </a:extLst>
         </p:spPr>
       </p:pic>
-      <p:graphicFrame>
-        <p:nvGraphicFramePr>
-          <p:cNvPr id="5" name="Object 4">
-            <a:extLst>
-              <a:ext uri="{FF2B5EF4-FFF2-40B4-BE49-F238E27FC236}">
-                <a16:creationId xmlns:a16="http://schemas.microsoft.com/office/drawing/2014/main" id="{1A354EDD-D2D8-4E43-B147-597D9F13F1B5}"/>
-              </a:ext>
-            </a:extLst>
-          </p:cNvPr>
-          <p:cNvGraphicFramePr>
-            <a:graphicFrameLocks noChangeAspect="1"/>
-          </p:cNvGraphicFramePr>
-          <p:nvPr>
-            <p:extLst>
-              <p:ext uri="{D42A27DB-BD31-4B8C-83A1-F6EECF244321}">
-                <p14:modId xmlns:p14="http://schemas.microsoft.com/office/powerpoint/2010/main" val="1334201115"/>
-              </p:ext>
-            </p:extLst>
-          </p:nvPr>
-        </p:nvGraphicFramePr>
-        <p:xfrm>
-          <a:off x="1588" y="6616700"/>
-          <a:ext cx="3600450" cy="276225"/>
-        </p:xfrm>
-        <a:graphic>
-          <a:graphicData uri="http://schemas.openxmlformats.org/presentationml/2006/ole">
-            <mc:AlternateContent xmlns:mc="http://schemas.openxmlformats.org/markup-compatibility/2006">
-              <mc:Choice xmlns:v="urn:schemas-microsoft-com:vml" Requires="v">
-                <p:oleObj spid="_x0000_s6208" name="Worksheet" r:id="rId22" imgW="3848174" imgH="271494" progId="Excel.Sheet.12">
-                  <p:link updateAutomatic="1"/>
-                </p:oleObj>
-              </mc:Choice>
-              <mc:Fallback>
-                <p:oleObj name="Worksheet" r:id="rId22" imgW="3848174" imgH="271494" progId="Excel.Sheet.12">
-                  <p:link updateAutomatic="1"/>
-                  <p:pic>
-                    <p:nvPicPr>
-                      <p:cNvPr id="0" name=""/>
-                      <p:cNvPicPr/>
-                      <p:nvPr/>
-                    </p:nvPicPr>
-                    <p:blipFill>
-                      <a:blip r:embed="rId23"/>
-                      <a:stretch>
-                        <a:fillRect/>
-                      </a:stretch>
-                    </p:blipFill>
-                    <p:spPr>
-                      <a:xfrm>
-                        <a:off x="1588" y="6616700"/>
-                        <a:ext cx="3600450" cy="276225"/>
-                      </a:xfrm>
-                      <a:prstGeom prst="rect">
-                        <a:avLst/>
-                      </a:prstGeom>
-                    </p:spPr>
-                  </p:pic>
-                </p:oleObj>
-              </mc:Fallback>
-            </mc:AlternateContent>
-          </a:graphicData>
-        </a:graphic>
-      </p:graphicFrame>
       <p:sp>
         <p:nvSpPr>
           <p:cNvPr id="45" name="TextBox 44">
@@ -17675,6 +17062,222 @@
           </p:txBody>
         </p:sp>
       </p:grpSp>
+      <p:sp>
+        <p:nvSpPr>
+          <p:cNvPr id="4" name="Rectangle 3">
+            <a:extLst>
+              <a:ext uri="{FF2B5EF4-FFF2-40B4-BE49-F238E27FC236}">
+                <a16:creationId xmlns:a16="http://schemas.microsoft.com/office/drawing/2014/main" id="{FBA77C9E-F98F-3E40-8623-2F5FBBE83D30}"/>
+              </a:ext>
+            </a:extLst>
+          </p:cNvPr>
+          <p:cNvSpPr/>
+          <p:nvPr/>
+        </p:nvSpPr>
+        <p:spPr>
+          <a:xfrm>
+            <a:off x="8988804" y="2395035"/>
+            <a:ext cx="2621950" cy="3038202"/>
+          </a:xfrm>
+          <a:prstGeom prst="rect">
+            <a:avLst/>
+          </a:prstGeom>
+          <a:ln w="76200">
+            <a:solidFill>
+              <a:schemeClr val="tx1">
+                <a:lumMod val="50000"/>
+                <a:lumOff val="50000"/>
+              </a:schemeClr>
+            </a:solidFill>
+          </a:ln>
+        </p:spPr>
+        <p:style>
+          <a:lnRef idx="2">
+            <a:schemeClr val="accent6"/>
+          </a:lnRef>
+          <a:fillRef idx="1">
+            <a:schemeClr val="lt1"/>
+          </a:fillRef>
+          <a:effectRef idx="0">
+            <a:schemeClr val="accent6"/>
+          </a:effectRef>
+          <a:fontRef idx="minor">
+            <a:schemeClr val="dk1"/>
+          </a:fontRef>
+        </p:style>
+        <p:txBody>
+          <a:bodyPr rtlCol="0" anchor="t"/>
+          <a:lstStyle/>
+          <a:p>
+            <a:endParaRPr lang="en-US" sz="1200" dirty="0"/>
+          </a:p>
+          <a:p>
+            <a:endParaRPr lang="en-US" sz="1200" dirty="0"/>
+          </a:p>
+          <a:p>
+            <a:r>
+              <a:rPr lang="en-US" sz="1200" dirty="0"/>
+              <a:t>These files contain all of the agency specific data used to drive the posture and exposure report</a:t>
+            </a:r>
+          </a:p>
+        </p:txBody>
+      </p:sp>
+      <p:sp>
+        <p:nvSpPr>
+          <p:cNvPr id="3" name="Rectangle 2">
+            <a:extLst>
+              <a:ext uri="{FF2B5EF4-FFF2-40B4-BE49-F238E27FC236}">
+                <a16:creationId xmlns:a16="http://schemas.microsoft.com/office/drawing/2014/main" id="{6A4006C3-9F89-D242-B3C3-BF38CBC5ACCF}"/>
+              </a:ext>
+            </a:extLst>
+          </p:cNvPr>
+          <p:cNvSpPr/>
+          <p:nvPr/>
+        </p:nvSpPr>
+        <p:spPr>
+          <a:xfrm>
+            <a:off x="8965085" y="2374359"/>
+            <a:ext cx="2621909" cy="361507"/>
+          </a:xfrm>
+          <a:prstGeom prst="rect">
+            <a:avLst/>
+          </a:prstGeom>
+          <a:solidFill>
+            <a:schemeClr val="tx1">
+              <a:lumMod val="50000"/>
+              <a:lumOff val="50000"/>
+            </a:schemeClr>
+          </a:solidFill>
+          <a:ln>
+            <a:noFill/>
+          </a:ln>
+        </p:spPr>
+        <p:style>
+          <a:lnRef idx="2">
+            <a:schemeClr val="accent1">
+              <a:shade val="50000"/>
+            </a:schemeClr>
+          </a:lnRef>
+          <a:fillRef idx="1">
+            <a:schemeClr val="accent1"/>
+          </a:fillRef>
+          <a:effectRef idx="0">
+            <a:schemeClr val="accent1"/>
+          </a:effectRef>
+          <a:fontRef idx="minor">
+            <a:schemeClr val="lt1"/>
+          </a:fontRef>
+        </p:style>
+        <p:txBody>
+          <a:bodyPr rtlCol="0" anchor="ctr"/>
+          <a:lstStyle/>
+          <a:p>
+            <a:r>
+              <a:rPr lang="en-US" sz="1400" dirty="0"/>
+              <a:t>Raw indicators and incidents</a:t>
+            </a:r>
+          </a:p>
+        </p:txBody>
+      </p:sp>
+      <p:sp>
+        <p:nvSpPr>
+          <p:cNvPr id="2" name="TextBox 1">
+            <a:extLst>
+              <a:ext uri="{FF2B5EF4-FFF2-40B4-BE49-F238E27FC236}">
+                <a16:creationId xmlns:a16="http://schemas.microsoft.com/office/drawing/2014/main" id="{C092F249-1D9C-204F-8702-1560E8EA12FA}"/>
+              </a:ext>
+            </a:extLst>
+          </p:cNvPr>
+          <p:cNvSpPr txBox="1"/>
+          <p:nvPr/>
+        </p:nvSpPr>
+        <p:spPr>
+          <a:xfrm>
+            <a:off x="9659825" y="3462928"/>
+            <a:ext cx="2076157" cy="1551322"/>
+          </a:xfrm>
+          <a:prstGeom prst="rect">
+            <a:avLst/>
+          </a:prstGeom>
+          <a:noFill/>
+        </p:spPr>
+        <p:txBody>
+          <a:bodyPr wrap="square" rtlCol="0">
+            <a:spAutoFit/>
+          </a:bodyPr>
+          <a:lstStyle/>
+          <a:p>
+            <a:pPr>
+              <a:lnSpc>
+                <a:spcPct val="150000"/>
+              </a:lnSpc>
+              <a:spcAft>
+                <a:spcPts val="200"/>
+              </a:spcAft>
+            </a:pPr>
+            <a:r>
+              <a:rPr lang="en-US" sz="1200" dirty="0"/>
+              <a:t>Compromised Credentials</a:t>
+            </a:r>
+          </a:p>
+          <a:p>
+            <a:pPr>
+              <a:lnSpc>
+                <a:spcPct val="150000"/>
+              </a:lnSpc>
+              <a:spcAft>
+                <a:spcPts val="200"/>
+              </a:spcAft>
+            </a:pPr>
+            <a:r>
+              <a:rPr lang="en-US" sz="1200" dirty="0"/>
+              <a:t>Domain Alerts</a:t>
+            </a:r>
+          </a:p>
+          <a:p>
+            <a:pPr>
+              <a:lnSpc>
+                <a:spcPct val="150000"/>
+              </a:lnSpc>
+              <a:spcAft>
+                <a:spcPts val="200"/>
+              </a:spcAft>
+            </a:pPr>
+            <a:r>
+              <a:rPr lang="en-US" sz="1200" dirty="0"/>
+              <a:t>Malware Associations</a:t>
+            </a:r>
+          </a:p>
+          <a:p>
+            <a:pPr>
+              <a:lnSpc>
+                <a:spcPct val="150000"/>
+              </a:lnSpc>
+              <a:spcAft>
+                <a:spcPts val="200"/>
+              </a:spcAft>
+            </a:pPr>
+            <a:r>
+              <a:rPr lang="en-US" sz="1200" dirty="0"/>
+              <a:t>Inferred Vulnerability</a:t>
+            </a:r>
+          </a:p>
+          <a:p>
+            <a:pPr>
+              <a:lnSpc>
+                <a:spcPct val="150000"/>
+              </a:lnSpc>
+              <a:spcAft>
+                <a:spcPts val="200"/>
+              </a:spcAft>
+            </a:pPr>
+            <a:r>
+              <a:rPr lang="en-US" sz="1200" dirty="0"/>
+              <a:t>Mention Incidents</a:t>
+            </a:r>
+          </a:p>
+        </p:txBody>
+      </p:sp>
     </p:spTree>
     <p:extLst>
       <p:ext uri="{BB962C8B-B14F-4D97-AF65-F5344CB8AC3E}">
@@ -18279,17 +17882,17 @@
 </file>
 
 <file path=customXml/item1.xml><?xml version="1.0" encoding="utf-8"?>
-<?mso-contentType ?>
-<FormTemplates xmlns="http://schemas.microsoft.com/sharepoint/v3/contenttype/forms">
-  <Display>DocumentLibraryForm</Display>
-  <Edit>DocumentLibraryForm</Edit>
-  <New>DocumentLibraryForm</New>
-</FormTemplates>
+<p:properties xmlns:p="http://schemas.microsoft.com/office/2006/metadata/properties" xmlns:xsi="http://www.w3.org/2001/XMLSchema-instance" xmlns:pc="http://schemas.microsoft.com/office/infopath/2007/PartnerControls">
+  <documentManagement>
+    <ShortDescription xmlns="2ea8b379-c8ad-4aba-8ee9-d1f12587f3a0" xsi:nil="true"/>
+    <Date xmlns="2ea8b379-c8ad-4aba-8ee9-d1f12587f3a0" xsi:nil="true"/>
+  </documentManagement>
+</p:properties>
 </file>
 
 <file path=customXml/item2.xml><?xml version="1.0" encoding="utf-8"?>
-<ct:contentTypeSchema xmlns:ct="http://schemas.microsoft.com/office/2006/metadata/contentType" xmlns:ma="http://schemas.microsoft.com/office/2006/metadata/properties/metaAttributes" ct:_="" ma:_="" ma:contentTypeName="Document" ma:contentTypeID="0x0101007DF15D20A4569B46B8D80909D89CF27E" ma:contentTypeVersion="10" ma:contentTypeDescription="Create a new document." ma:contentTypeScope="" ma:versionID="31ebae77de03d5aae501de67aa3cb67c">
-  <xsd:schema xmlns:xsd="http://www.w3.org/2001/XMLSchema" xmlns:xs="http://www.w3.org/2001/XMLSchema" xmlns:p="http://schemas.microsoft.com/office/2006/metadata/properties" xmlns:ns2="2ea8b379-c8ad-4aba-8ee9-d1f12587f3a0" xmlns:ns3="d908c7eb-dbfb-45ab-9190-0c0073f2a6bf" targetNamespace="http://schemas.microsoft.com/office/2006/metadata/properties" ma:root="true" ma:fieldsID="7ffe246e3c358dfe15064fa05bde670a" ns2:_="" ns3:_="">
+<ct:contentTypeSchema xmlns:ct="http://schemas.microsoft.com/office/2006/metadata/contentType" xmlns:ma="http://schemas.microsoft.com/office/2006/metadata/properties/metaAttributes" ct:_="" ma:_="" ma:contentTypeName="Document" ma:contentTypeID="0x0101007DF15D20A4569B46B8D80909D89CF27E" ma:contentTypeVersion="12" ma:contentTypeDescription="Create a new document." ma:contentTypeScope="" ma:versionID="f9a6eeb254f80947bcf78833a1fc8a48">
+  <xsd:schema xmlns:xsd="http://www.w3.org/2001/XMLSchema" xmlns:xs="http://www.w3.org/2001/XMLSchema" xmlns:p="http://schemas.microsoft.com/office/2006/metadata/properties" xmlns:ns2="2ea8b379-c8ad-4aba-8ee9-d1f12587f3a0" xmlns:ns3="d908c7eb-dbfb-45ab-9190-0c0073f2a6bf" targetNamespace="http://schemas.microsoft.com/office/2006/metadata/properties" ma:root="true" ma:fieldsID="cda9b181f51649a11ac24de7fdfb04db" ns2:_="" ns3:_="">
     <xsd:import namespace="2ea8b379-c8ad-4aba-8ee9-d1f12587f3a0"/>
     <xsd:import namespace="d908c7eb-dbfb-45ab-9190-0c0073f2a6bf"/>
     <xsd:element name="properties">
@@ -18308,6 +17911,8 @@
                 <xsd:element ref="ns3:SharedWithDetails" minOccurs="0"/>
                 <xsd:element ref="ns2:Date" minOccurs="0"/>
                 <xsd:element ref="ns2:ShortDescription" minOccurs="0"/>
+                <xsd:element ref="ns2:MediaServiceDateTaken" minOccurs="0"/>
+                <xsd:element ref="ns2:MediaLengthInSeconds" minOccurs="0"/>
               </xsd:all>
             </xsd:complexType>
           </xsd:element>
@@ -18360,6 +17965,16 @@
         <xsd:restriction base="dms:Text">
           <xsd:maxLength value="255"/>
         </xsd:restriction>
+      </xsd:simpleType>
+    </xsd:element>
+    <xsd:element name="MediaServiceDateTaken" ma:index="18" nillable="true" ma:displayName="MediaServiceDateTaken" ma:hidden="true" ma:internalName="MediaServiceDateTaken" ma:readOnly="true">
+      <xsd:simpleType>
+        <xsd:restriction base="dms:Text"/>
+      </xsd:simpleType>
+    </xsd:element>
+    <xsd:element name="MediaLengthInSeconds" ma:index="19" nillable="true" ma:displayName="Length (seconds)" ma:internalName="MediaLengthInSeconds" ma:readOnly="true">
+      <xsd:simpleType>
+        <xsd:restriction base="dms:Unknown"/>
       </xsd:simpleType>
     </xsd:element>
   </xsd:schema>
@@ -18493,42 +18108,15 @@
 </file>
 
 <file path=customXml/item3.xml><?xml version="1.0" encoding="utf-8"?>
-<p:properties xmlns:p="http://schemas.microsoft.com/office/2006/metadata/properties" xmlns:xsi="http://www.w3.org/2001/XMLSchema-instance" xmlns:pc="http://schemas.microsoft.com/office/infopath/2007/PartnerControls">
-  <documentManagement>
-    <ShortDescription xmlns="2ea8b379-c8ad-4aba-8ee9-d1f12587f3a0" xsi:nil="true"/>
-    <Date xmlns="2ea8b379-c8ad-4aba-8ee9-d1f12587f3a0" xsi:nil="true"/>
-  </documentManagement>
-</p:properties>
+<?mso-contentType ?>
+<FormTemplates xmlns="http://schemas.microsoft.com/sharepoint/v3/contenttype/forms">
+  <Display>DocumentLibraryForm</Display>
+  <Edit>DocumentLibraryForm</Edit>
+  <New>DocumentLibraryForm</New>
+</FormTemplates>
 </file>
 
 <file path=customXml/itemProps1.xml><?xml version="1.0" encoding="utf-8"?>
-<ds:datastoreItem xmlns:ds="http://schemas.openxmlformats.org/officeDocument/2006/customXml" ds:itemID="{7692AF76-D014-47A8-9F7D-F18B404EF686}">
-  <ds:schemaRefs>
-    <ds:schemaRef ds:uri="http://schemas.microsoft.com/sharepoint/v3/contenttype/forms"/>
-  </ds:schemaRefs>
-</ds:datastoreItem>
-</file>
-
-<file path=customXml/itemProps2.xml><?xml version="1.0" encoding="utf-8"?>
-<ds:datastoreItem xmlns:ds="http://schemas.openxmlformats.org/officeDocument/2006/customXml" ds:itemID="{AA5832CA-76EA-4F5A-AD9D-C2587880AC71}">
-  <ds:schemaRefs>
-    <ds:schemaRef ds:uri="http://schemas.microsoft.com/office/2006/metadata/contentType"/>
-    <ds:schemaRef ds:uri="http://schemas.microsoft.com/office/2006/metadata/properties/metaAttributes"/>
-    <ds:schemaRef ds:uri="http://www.w3.org/2001/XMLSchema"/>
-    <ds:schemaRef ds:uri="http://schemas.microsoft.com/office/2006/metadata/properties"/>
-    <ds:schemaRef ds:uri="2ea8b379-c8ad-4aba-8ee9-d1f12587f3a0"/>
-    <ds:schemaRef ds:uri="d908c7eb-dbfb-45ab-9190-0c0073f2a6bf"/>
-    <ds:schemaRef ds:uri="http://schemas.microsoft.com/office/2006/documentManagement/types"/>
-    <ds:schemaRef ds:uri="http://schemas.microsoft.com/office/infopath/2007/PartnerControls"/>
-    <ds:schemaRef ds:uri="http://schemas.openxmlformats.org/package/2006/metadata/core-properties"/>
-    <ds:schemaRef ds:uri="http://purl.org/dc/elements/1.1/"/>
-    <ds:schemaRef ds:uri="http://purl.org/dc/terms/"/>
-    <ds:schemaRef ds:uri="http://schemas.microsoft.com/internal/obd"/>
-  </ds:schemaRefs>
-</ds:datastoreItem>
-</file>
-
-<file path=customXml/itemProps3.xml><?xml version="1.0" encoding="utf-8"?>
 <ds:datastoreItem xmlns:ds="http://schemas.openxmlformats.org/officeDocument/2006/customXml" ds:itemID="{2B8920D4-0C1E-4810-8E95-CD54FECA5314}">
   <ds:schemaRefs>
     <ds:schemaRef ds:uri="http://schemas.microsoft.com/office/2006/metadata/properties"/>
@@ -18536,4 +18124,16 @@
     <ds:schemaRef ds:uri="2ea8b379-c8ad-4aba-8ee9-d1f12587f3a0"/>
   </ds:schemaRefs>
 </ds:datastoreItem>
+</file>
+
+<file path=customXml/itemProps2.xml><?xml version="1.0" encoding="utf-8"?>
+<ds:datastoreItem xmlns:ds="http://schemas.openxmlformats.org/officeDocument/2006/customXml" ds:itemID="{6683F991-D602-48DC-B5FA-4140B3257605}"/>
+</file>
+
+<file path=customXml/itemProps3.xml><?xml version="1.0" encoding="utf-8"?>
+<ds:datastoreItem xmlns:ds="http://schemas.openxmlformats.org/officeDocument/2006/customXml" ds:itemID="{7692AF76-D014-47A8-9F7D-F18B404EF686}">
+  <ds:schemaRefs>
+    <ds:schemaRef ds:uri="http://schemas.microsoft.com/sharepoint/v3/contenttype/forms"/>
+  </ds:schemaRefs>
+</ds:datastoreItem>
 </file>